--- a/Documents/WarNotes_presentation.pptx
+++ b/Documents/WarNotes_presentation.pptx
@@ -6,13 +6,15 @@
   </p:sldMasterIdLst>
   <p:sldIdLst>
     <p:sldId id="256" r:id="rId2"/>
-    <p:sldId id="257" r:id="rId3"/>
-    <p:sldId id="258" r:id="rId4"/>
-    <p:sldId id="259" r:id="rId5"/>
-    <p:sldId id="260" r:id="rId6"/>
-    <p:sldId id="261" r:id="rId7"/>
-    <p:sldId id="262" r:id="rId8"/>
-    <p:sldId id="263" r:id="rId9"/>
+    <p:sldId id="264" r:id="rId3"/>
+    <p:sldId id="265" r:id="rId4"/>
+    <p:sldId id="257" r:id="rId5"/>
+    <p:sldId id="258" r:id="rId6"/>
+    <p:sldId id="259" r:id="rId7"/>
+    <p:sldId id="260" r:id="rId8"/>
+    <p:sldId id="261" r:id="rId9"/>
+    <p:sldId id="262" r:id="rId10"/>
+    <p:sldId id="263" r:id="rId11"/>
   </p:sldIdLst>
   <p:sldSz cx="12192000" cy="6858000"/>
   <p:notesSz cx="6858000" cy="9144000"/>
@@ -111,6 +113,11 @@
       </a:defRPr>
     </a:lvl9pPr>
   </p:defaultTextStyle>
+  <p:extLst>
+    <p:ext uri="{EFAFB233-063F-42B5-8137-9DF3F51BA10A}">
+      <p15:sldGuideLst xmlns:p15="http://schemas.microsoft.com/office/powerpoint/2012/main"/>
+    </p:ext>
+  </p:extLst>
 </p:presentation>
 </file>
 
@@ -2478,6 +2485,13 @@
         </dgm:presLayoutVars>
       </dgm:prSet>
       <dgm:spPr/>
+      <dgm:t>
+        <a:bodyPr/>
+        <a:lstStyle/>
+        <a:p>
+          <a:endParaRPr lang="uk-UA"/>
+        </a:p>
+      </dgm:t>
     </dgm:pt>
     <dgm:pt modelId="{A1A0EB59-E62A-430E-B2AD-A028E99444E4}" type="pres">
       <dgm:prSet presAssocID="{7198FBD5-5506-4E1E-A994-8217BC5A99A8}" presName="composite" presStyleCnt="0"/>
@@ -2528,6 +2542,13 @@
     <dgm:pt modelId="{66FE6EEA-4ACE-4B83-80C6-15B029BEEF95}" type="pres">
       <dgm:prSet presAssocID="{82981C2A-CBF1-4447-8727-1A11E56D2D4C}" presName="Accent1Text" presStyleLbl="node1" presStyleIdx="1" presStyleCnt="6"/>
       <dgm:spPr/>
+      <dgm:t>
+        <a:bodyPr/>
+        <a:lstStyle/>
+        <a:p>
+          <a:endParaRPr lang="uk-UA"/>
+        </a:p>
+      </dgm:t>
     </dgm:pt>
     <dgm:pt modelId="{9D95EC55-39D4-4730-8AC5-549027773857}" type="pres">
       <dgm:prSet presAssocID="{82981C2A-CBF1-4447-8727-1A11E56D2D4C}" presName="spaceBetweenRectangles" presStyleCnt="0"/>
@@ -2546,6 +2567,13 @@
         </dgm:presLayoutVars>
       </dgm:prSet>
       <dgm:spPr/>
+      <dgm:t>
+        <a:bodyPr/>
+        <a:lstStyle/>
+        <a:p>
+          <a:endParaRPr lang="uk-UA"/>
+        </a:p>
+      </dgm:t>
     </dgm:pt>
     <dgm:pt modelId="{6EEA30AE-555B-4662-A680-DFEB65CFD567}" type="pres">
       <dgm:prSet presAssocID="{0ABC60F0-76B5-4572-9AF9-F583E2033746}" presName="Childtext1" presStyleLbl="revTx" presStyleIdx="1" presStyleCnt="3">
@@ -2575,6 +2603,13 @@
     <dgm:pt modelId="{04EC19F1-1EF3-41AA-A38F-A003B5C5AE58}" type="pres">
       <dgm:prSet presAssocID="{D9BDF4A7-D04E-4A33-8690-E69699188684}" presName="Accent1Text" presStyleLbl="node1" presStyleIdx="3" presStyleCnt="6"/>
       <dgm:spPr/>
+      <dgm:t>
+        <a:bodyPr/>
+        <a:lstStyle/>
+        <a:p>
+          <a:endParaRPr lang="uk-UA"/>
+        </a:p>
+      </dgm:t>
     </dgm:pt>
     <dgm:pt modelId="{4A847EFF-FC9D-43A8-9CA9-661CAA5F389E}" type="pres">
       <dgm:prSet presAssocID="{D9BDF4A7-D04E-4A33-8690-E69699188684}" presName="spaceBetweenRectangles" presStyleCnt="0"/>
@@ -2629,19 +2664,26 @@
     <dgm:pt modelId="{36EE6CA3-3BB5-49C8-B84E-046B0E84AA9F}" type="pres">
       <dgm:prSet presAssocID="{2686B68D-412F-4E6A-84B0-E578866183FA}" presName="Accent1Text" presStyleLbl="node1" presStyleIdx="5" presStyleCnt="6"/>
       <dgm:spPr/>
+      <dgm:t>
+        <a:bodyPr/>
+        <a:lstStyle/>
+        <a:p>
+          <a:endParaRPr lang="uk-UA"/>
+        </a:p>
+      </dgm:t>
     </dgm:pt>
   </dgm:ptLst>
   <dgm:cxnLst>
+    <dgm:cxn modelId="{327ECFE0-9626-4926-94E6-AF234436542C}" type="presOf" srcId="{7198FBD5-5506-4E1E-A994-8217BC5A99A8}" destId="{C93A83EA-238F-4794-BB46-87BDFF2F1A41}" srcOrd="0" destOrd="0" presId="urn:microsoft.com/office/officeart/2008/layout/AlternatingHexagons"/>
+    <dgm:cxn modelId="{2387E443-616C-4AA7-BEF9-CD6042FD3368}" srcId="{D6A10A06-5EF9-4EAD-BA78-57425B3F5446}" destId="{0ABC60F0-76B5-4572-9AF9-F583E2033746}" srcOrd="1" destOrd="0" parTransId="{CD6E3DB2-8720-4885-AEF1-8C077C005164}" sibTransId="{D9BDF4A7-D04E-4A33-8690-E69699188684}"/>
     <dgm:cxn modelId="{24ACE6E8-52F9-4B3A-9CE3-C327118B7B29}" type="presOf" srcId="{07D81413-5EA6-4161-94B7-E702D6AE752C}" destId="{37151499-3823-4890-B274-98EC7A096D69}" srcOrd="0" destOrd="0" presId="urn:microsoft.com/office/officeart/2008/layout/AlternatingHexagons"/>
-    <dgm:cxn modelId="{327ECFE0-9626-4926-94E6-AF234436542C}" type="presOf" srcId="{7198FBD5-5506-4E1E-A994-8217BC5A99A8}" destId="{C93A83EA-238F-4794-BB46-87BDFF2F1A41}" srcOrd="0" destOrd="0" presId="urn:microsoft.com/office/officeart/2008/layout/AlternatingHexagons"/>
-    <dgm:cxn modelId="{17875CFD-482B-4400-A922-EE7123F77BB2}" srcId="{D6A10A06-5EF9-4EAD-BA78-57425B3F5446}" destId="{07D81413-5EA6-4161-94B7-E702D6AE752C}" srcOrd="2" destOrd="0" parTransId="{65467022-F88F-4513-B42E-988B99D4563C}" sibTransId="{2686B68D-412F-4E6A-84B0-E578866183FA}"/>
-    <dgm:cxn modelId="{1D473B2C-C207-4663-BBD9-F2F3D3764E45}" type="presOf" srcId="{0ABC60F0-76B5-4572-9AF9-F583E2033746}" destId="{585F94E2-4A03-48A5-8D4C-E20F15229494}" srcOrd="0" destOrd="0" presId="urn:microsoft.com/office/officeart/2008/layout/AlternatingHexagons"/>
-    <dgm:cxn modelId="{2387E443-616C-4AA7-BEF9-CD6042FD3368}" srcId="{D6A10A06-5EF9-4EAD-BA78-57425B3F5446}" destId="{0ABC60F0-76B5-4572-9AF9-F583E2033746}" srcOrd="1" destOrd="0" parTransId="{CD6E3DB2-8720-4885-AEF1-8C077C005164}" sibTransId="{D9BDF4A7-D04E-4A33-8690-E69699188684}"/>
-    <dgm:cxn modelId="{91588647-704C-417B-9115-0831D21E2840}" type="presOf" srcId="{82981C2A-CBF1-4447-8727-1A11E56D2D4C}" destId="{66FE6EEA-4ACE-4B83-80C6-15B029BEEF95}" srcOrd="0" destOrd="0" presId="urn:microsoft.com/office/officeart/2008/layout/AlternatingHexagons"/>
     <dgm:cxn modelId="{266FE061-7337-45B3-8E26-53F20A305B0C}" srcId="{D6A10A06-5EF9-4EAD-BA78-57425B3F5446}" destId="{7198FBD5-5506-4E1E-A994-8217BC5A99A8}" srcOrd="0" destOrd="0" parTransId="{27E40991-224D-4218-9F8F-F313841BC04A}" sibTransId="{82981C2A-CBF1-4447-8727-1A11E56D2D4C}"/>
     <dgm:cxn modelId="{5F4D630E-B3C9-4D42-84A4-952F3EED8A29}" type="presOf" srcId="{2686B68D-412F-4E6A-84B0-E578866183FA}" destId="{36EE6CA3-3BB5-49C8-B84E-046B0E84AA9F}" srcOrd="0" destOrd="0" presId="urn:microsoft.com/office/officeart/2008/layout/AlternatingHexagons"/>
     <dgm:cxn modelId="{F3AD08D3-310A-4ADA-8D80-6FBEC2BB5DAD}" type="presOf" srcId="{D9BDF4A7-D04E-4A33-8690-E69699188684}" destId="{04EC19F1-1EF3-41AA-A38F-A003B5C5AE58}" srcOrd="0" destOrd="0" presId="urn:microsoft.com/office/officeart/2008/layout/AlternatingHexagons"/>
+    <dgm:cxn modelId="{1D473B2C-C207-4663-BBD9-F2F3D3764E45}" type="presOf" srcId="{0ABC60F0-76B5-4572-9AF9-F583E2033746}" destId="{585F94E2-4A03-48A5-8D4C-E20F15229494}" srcOrd="0" destOrd="0" presId="urn:microsoft.com/office/officeart/2008/layout/AlternatingHexagons"/>
+    <dgm:cxn modelId="{91588647-704C-417B-9115-0831D21E2840}" type="presOf" srcId="{82981C2A-CBF1-4447-8727-1A11E56D2D4C}" destId="{66FE6EEA-4ACE-4B83-80C6-15B029BEEF95}" srcOrd="0" destOrd="0" presId="urn:microsoft.com/office/officeart/2008/layout/AlternatingHexagons"/>
     <dgm:cxn modelId="{5ABBED56-4102-465D-8CCE-3511F4C37D92}" type="presOf" srcId="{D6A10A06-5EF9-4EAD-BA78-57425B3F5446}" destId="{93AE14F2-79A2-4081-826D-4E18751EC4E5}" srcOrd="0" destOrd="0" presId="urn:microsoft.com/office/officeart/2008/layout/AlternatingHexagons"/>
+    <dgm:cxn modelId="{17875CFD-482B-4400-A922-EE7123F77BB2}" srcId="{D6A10A06-5EF9-4EAD-BA78-57425B3F5446}" destId="{07D81413-5EA6-4161-94B7-E702D6AE752C}" srcOrd="2" destOrd="0" parTransId="{65467022-F88F-4513-B42E-988B99D4563C}" sibTransId="{2686B68D-412F-4E6A-84B0-E578866183FA}"/>
     <dgm:cxn modelId="{C01F358C-E262-4FB4-911A-0126113C7FD6}" type="presParOf" srcId="{93AE14F2-79A2-4081-826D-4E18751EC4E5}" destId="{A1A0EB59-E62A-430E-B2AD-A028E99444E4}" srcOrd="0" destOrd="0" presId="urn:microsoft.com/office/officeart/2008/layout/AlternatingHexagons"/>
     <dgm:cxn modelId="{F01E0DA6-562B-4342-AC8B-DDCC863D8636}" type="presParOf" srcId="{A1A0EB59-E62A-430E-B2AD-A028E99444E4}" destId="{C93A83EA-238F-4794-BB46-87BDFF2F1A41}" srcOrd="0" destOrd="0" presId="urn:microsoft.com/office/officeart/2008/layout/AlternatingHexagons"/>
     <dgm:cxn modelId="{7F5A9B12-5BAC-42BE-B4FA-94AB20F02610}" type="presParOf" srcId="{A1A0EB59-E62A-430E-B2AD-A028E99444E4}" destId="{CCD3D45B-AC79-4FA4-AD1F-53AAC8F038FD}" srcOrd="1" destOrd="0" presId="urn:microsoft.com/office/officeart/2008/layout/AlternatingHexagons"/>
@@ -2927,6 +2969,13 @@
         </dgm:presLayoutVars>
       </dgm:prSet>
       <dgm:spPr/>
+      <dgm:t>
+        <a:bodyPr/>
+        <a:lstStyle/>
+        <a:p>
+          <a:endParaRPr lang="uk-UA"/>
+        </a:p>
+      </dgm:t>
     </dgm:pt>
     <dgm:pt modelId="{33A55295-B55D-4786-9521-C77CD99860E9}" type="pres">
       <dgm:prSet presAssocID="{E8D73785-BB68-474F-81FF-9DB6979C3A93}" presName="dummyMaxCanvas" presStyleCnt="0"/>
@@ -2943,6 +2992,13 @@
         </dgm:presLayoutVars>
       </dgm:prSet>
       <dgm:spPr/>
+      <dgm:t>
+        <a:bodyPr/>
+        <a:lstStyle/>
+        <a:p>
+          <a:endParaRPr lang="uk-UA"/>
+        </a:p>
+      </dgm:t>
     </dgm:pt>
     <dgm:pt modelId="{8557BBCB-3EE0-4D72-9CDA-BDA31DB43590}" type="pres">
       <dgm:prSet presAssocID="{E8D73785-BB68-474F-81FF-9DB6979C3A93}" presName="parent2" presStyleLbl="alignAccFollowNode1" presStyleIdx="1" presStyleCnt="4">
@@ -2951,6 +3007,13 @@
         </dgm:presLayoutVars>
       </dgm:prSet>
       <dgm:spPr/>
+      <dgm:t>
+        <a:bodyPr/>
+        <a:lstStyle/>
+        <a:p>
+          <a:endParaRPr lang="uk-UA"/>
+        </a:p>
+      </dgm:t>
     </dgm:pt>
     <dgm:pt modelId="{EDD6AA23-FB9E-49B5-8C53-2CCCCEC9FA09}" type="pres">
       <dgm:prSet presAssocID="{E8D73785-BB68-474F-81FF-9DB6979C3A93}" presName="childrenComposite" presStyleCnt="0"/>
@@ -2979,6 +3042,13 @@
         </dgm:presLayoutVars>
       </dgm:prSet>
       <dgm:spPr/>
+      <dgm:t>
+        <a:bodyPr/>
+        <a:lstStyle/>
+        <a:p>
+          <a:endParaRPr lang="uk-UA"/>
+        </a:p>
+      </dgm:t>
     </dgm:pt>
     <dgm:pt modelId="{77970359-A4AC-413A-BE3A-4AA759D2CE4C}" type="pres">
       <dgm:prSet presAssocID="{E8D73785-BB68-474F-81FF-9DB6979C3A93}" presName="right_23_2" presStyleLbl="node1" presStyleIdx="1" presStyleCnt="5">
@@ -2987,6 +3057,13 @@
         </dgm:presLayoutVars>
       </dgm:prSet>
       <dgm:spPr/>
+      <dgm:t>
+        <a:bodyPr/>
+        <a:lstStyle/>
+        <a:p>
+          <a:endParaRPr lang="uk-UA"/>
+        </a:p>
+      </dgm:t>
     </dgm:pt>
     <dgm:pt modelId="{E29727FF-2A9A-4982-9DBF-19E9A48344BF}" type="pres">
       <dgm:prSet presAssocID="{E8D73785-BB68-474F-81FF-9DB6979C3A93}" presName="right_23_3" presStyleLbl="node1" presStyleIdx="2" presStyleCnt="5">
@@ -2995,6 +3072,13 @@
         </dgm:presLayoutVars>
       </dgm:prSet>
       <dgm:spPr/>
+      <dgm:t>
+        <a:bodyPr/>
+        <a:lstStyle/>
+        <a:p>
+          <a:endParaRPr lang="uk-UA"/>
+        </a:p>
+      </dgm:t>
     </dgm:pt>
     <dgm:pt modelId="{6E964ADB-B957-4556-8677-D9C0BF3F3174}" type="pres">
       <dgm:prSet presAssocID="{E8D73785-BB68-474F-81FF-9DB6979C3A93}" presName="left_23_1" presStyleLbl="node1" presStyleIdx="3" presStyleCnt="5">
@@ -3003,6 +3087,13 @@
         </dgm:presLayoutVars>
       </dgm:prSet>
       <dgm:spPr/>
+      <dgm:t>
+        <a:bodyPr/>
+        <a:lstStyle/>
+        <a:p>
+          <a:endParaRPr lang="uk-UA"/>
+        </a:p>
+      </dgm:t>
     </dgm:pt>
     <dgm:pt modelId="{89613EDE-BD0D-4FFC-AC5D-F0550D2B45C5}" type="pres">
       <dgm:prSet presAssocID="{E8D73785-BB68-474F-81FF-9DB6979C3A93}" presName="left_23_2" presStyleLbl="node1" presStyleIdx="4" presStyleCnt="5">
@@ -3011,11 +3102,18 @@
         </dgm:presLayoutVars>
       </dgm:prSet>
       <dgm:spPr/>
+      <dgm:t>
+        <a:bodyPr/>
+        <a:lstStyle/>
+        <a:p>
+          <a:endParaRPr lang="uk-UA"/>
+        </a:p>
+      </dgm:t>
     </dgm:pt>
   </dgm:ptLst>
   <dgm:cxnLst>
+    <dgm:cxn modelId="{9CD2C2F4-17AF-4698-80E4-03587F3C4C73}" srcId="{8DFFDA77-D257-4830-B554-88B059818ED6}" destId="{2BDC42DC-EB17-4822-9837-39BAB31E2208}" srcOrd="0" destOrd="0" parTransId="{FC7A26AF-9396-4F94-B0CA-75E12CDD7077}" sibTransId="{D313D5D8-02B3-4D89-939A-65897437D3DE}"/>
     <dgm:cxn modelId="{58717F28-6D57-47F3-B3BC-208C1E99CDDE}" type="presOf" srcId="{AA79F465-4288-4C52-9A05-41E3C9F01E38}" destId="{89613EDE-BD0D-4FFC-AC5D-F0550D2B45C5}" srcOrd="0" destOrd="0" presId="urn:microsoft.com/office/officeart/2005/8/layout/balance1"/>
-    <dgm:cxn modelId="{9CD2C2F4-17AF-4698-80E4-03587F3C4C73}" srcId="{8DFFDA77-D257-4830-B554-88B059818ED6}" destId="{2BDC42DC-EB17-4822-9837-39BAB31E2208}" srcOrd="0" destOrd="0" parTransId="{FC7A26AF-9396-4F94-B0CA-75E12CDD7077}" sibTransId="{D313D5D8-02B3-4D89-939A-65897437D3DE}"/>
     <dgm:cxn modelId="{DD6630B2-6011-4958-B8F8-717CAC694465}" srcId="{8DFFDA77-D257-4830-B554-88B059818ED6}" destId="{AA79F465-4288-4C52-9A05-41E3C9F01E38}" srcOrd="1" destOrd="0" parTransId="{E14033CC-341F-4343-9455-4D84BCA7866A}" sibTransId="{25CCBD17-EC28-40E5-8D0C-4524093365D1}"/>
     <dgm:cxn modelId="{B9E3AE74-91F4-4C3F-8103-7262ADE33950}" type="presOf" srcId="{542D3868-12A1-4699-9B17-95CF498EEE25}" destId="{77970359-A4AC-413A-BE3A-4AA759D2CE4C}" srcOrd="0" destOrd="0" presId="urn:microsoft.com/office/officeart/2005/8/layout/balance1"/>
     <dgm:cxn modelId="{DCAACD29-F749-4FF6-9FB4-EC08EC9E1A5B}" type="presOf" srcId="{30F0281A-9A5D-470A-8657-8D7C7D56B636}" destId="{8557BBCB-3EE0-4D72-9CDA-BDA31DB43590}" srcOrd="0" destOrd="0" presId="urn:microsoft.com/office/officeart/2005/8/layout/balance1"/>
@@ -3188,6 +3286,13 @@
         </dgm:presLayoutVars>
       </dgm:prSet>
       <dgm:spPr/>
+      <dgm:t>
+        <a:bodyPr/>
+        <a:lstStyle/>
+        <a:p>
+          <a:endParaRPr lang="uk-UA"/>
+        </a:p>
+      </dgm:t>
     </dgm:pt>
     <dgm:pt modelId="{3E50F3E2-E24D-41D5-822C-E534F98A1E7B}" type="pres">
       <dgm:prSet presAssocID="{1A733CFD-2E73-443C-8032-67552384F998}" presName="bullet3b" presStyleLbl="node1" presStyleIdx="1" presStyleCnt="3"/>
@@ -3200,6 +3305,13 @@
         </dgm:presLayoutVars>
       </dgm:prSet>
       <dgm:spPr/>
+      <dgm:t>
+        <a:bodyPr/>
+        <a:lstStyle/>
+        <a:p>
+          <a:endParaRPr lang="uk-UA"/>
+        </a:p>
+      </dgm:t>
     </dgm:pt>
     <dgm:pt modelId="{E3356F4A-E2D8-45C5-ACBB-8D03690C947E}" type="pres">
       <dgm:prSet presAssocID="{7CF6B308-8E25-4FD5-A4B4-ADED97BAD0F2}" presName="bullet3c" presStyleLbl="node1" presStyleIdx="2" presStyleCnt="3"/>
@@ -3212,6 +3324,13 @@
         </dgm:presLayoutVars>
       </dgm:prSet>
       <dgm:spPr/>
+      <dgm:t>
+        <a:bodyPr/>
+        <a:lstStyle/>
+        <a:p>
+          <a:endParaRPr lang="uk-UA"/>
+        </a:p>
+      </dgm:t>
     </dgm:pt>
   </dgm:ptLst>
   <dgm:cxnLst>
@@ -3813,627 +3932,6 @@
       <dsp:cNvGrpSpPr/>
     </dsp:nvGrpSpPr>
     <dsp:grpSpPr/>
-    <dsp:sp modelId="{B2D21F83-1804-43B9-A911-A1E45883313E}">
-      <dsp:nvSpPr>
-        <dsp:cNvPr id="0" name=""/>
-        <dsp:cNvSpPr/>
-      </dsp:nvSpPr>
-      <dsp:spPr>
-        <a:xfrm>
-          <a:off x="1679786" y="0"/>
-          <a:ext cx="1950720" cy="1083733"/>
-        </a:xfrm>
-        <a:prstGeom prst="roundRect">
-          <a:avLst>
-            <a:gd name="adj" fmla="val 10000"/>
-          </a:avLst>
-        </a:prstGeom>
-        <a:solidFill>
-          <a:schemeClr val="accent1">
-            <a:alpha val="90000"/>
-            <a:tint val="40000"/>
-            <a:hueOff val="0"/>
-            <a:satOff val="0"/>
-            <a:lumOff val="0"/>
-            <a:alphaOff val="0"/>
-          </a:schemeClr>
-        </a:solidFill>
-        <a:ln w="19050" cap="flat" cmpd="sng" algn="ctr">
-          <a:solidFill>
-            <a:schemeClr val="accent1">
-              <a:alpha val="90000"/>
-              <a:tint val="40000"/>
-              <a:hueOff val="0"/>
-              <a:satOff val="0"/>
-              <a:lumOff val="0"/>
-              <a:alphaOff val="0"/>
-            </a:schemeClr>
-          </a:solidFill>
-          <a:prstDash val="solid"/>
-        </a:ln>
-        <a:effectLst/>
-      </dsp:spPr>
-      <dsp:style>
-        <a:lnRef idx="2">
-          <a:scrgbClr r="0" g="0" b="0"/>
-        </a:lnRef>
-        <a:fillRef idx="1">
-          <a:scrgbClr r="0" g="0" b="0"/>
-        </a:fillRef>
-        <a:effectRef idx="0">
-          <a:scrgbClr r="0" g="0" b="0"/>
-        </a:effectRef>
-        <a:fontRef idx="minor"/>
-      </dsp:style>
-      <dsp:txBody>
-        <a:bodyPr spcFirstLastPara="0" vert="horz" wrap="square" lIns="179070" tIns="179070" rIns="179070" bIns="179070" numCol="1" spcCol="1270" anchor="ctr" anchorCtr="0">
-          <a:noAutofit/>
-        </a:bodyPr>
-        <a:lstStyle/>
-        <a:p>
-          <a:pPr lvl="0" algn="ctr" defTabSz="2089150">
-            <a:lnSpc>
-              <a:spcPct val="90000"/>
-            </a:lnSpc>
-            <a:spcBef>
-              <a:spcPct val="0"/>
-            </a:spcBef>
-            <a:spcAft>
-              <a:spcPct val="35000"/>
-            </a:spcAft>
-          </a:pPr>
-          <a:endParaRPr lang="uk-UA" sz="4700" kern="1200" dirty="0"/>
-        </a:p>
-      </dsp:txBody>
-      <dsp:txXfrm>
-        <a:off x="1711527" y="31741"/>
-        <a:ext cx="1887238" cy="1020251"/>
-      </dsp:txXfrm>
-    </dsp:sp>
-    <dsp:sp modelId="{8557BBCB-3EE0-4D72-9CDA-BDA31DB43590}">
-      <dsp:nvSpPr>
-        <dsp:cNvPr id="0" name=""/>
-        <dsp:cNvSpPr/>
-      </dsp:nvSpPr>
-      <dsp:spPr>
-        <a:xfrm>
-          <a:off x="4497493" y="0"/>
-          <a:ext cx="1950720" cy="1083733"/>
-        </a:xfrm>
-        <a:prstGeom prst="roundRect">
-          <a:avLst>
-            <a:gd name="adj" fmla="val 10000"/>
-          </a:avLst>
-        </a:prstGeom>
-        <a:solidFill>
-          <a:schemeClr val="accent1">
-            <a:alpha val="90000"/>
-            <a:tint val="40000"/>
-            <a:hueOff val="0"/>
-            <a:satOff val="0"/>
-            <a:lumOff val="0"/>
-            <a:alphaOff val="0"/>
-          </a:schemeClr>
-        </a:solidFill>
-        <a:ln w="19050" cap="flat" cmpd="sng" algn="ctr">
-          <a:solidFill>
-            <a:schemeClr val="accent1">
-              <a:alpha val="90000"/>
-              <a:tint val="40000"/>
-              <a:hueOff val="0"/>
-              <a:satOff val="0"/>
-              <a:lumOff val="0"/>
-              <a:alphaOff val="0"/>
-            </a:schemeClr>
-          </a:solidFill>
-          <a:prstDash val="solid"/>
-        </a:ln>
-        <a:effectLst/>
-      </dsp:spPr>
-      <dsp:style>
-        <a:lnRef idx="2">
-          <a:scrgbClr r="0" g="0" b="0"/>
-        </a:lnRef>
-        <a:fillRef idx="1">
-          <a:scrgbClr r="0" g="0" b="0"/>
-        </a:fillRef>
-        <a:effectRef idx="0">
-          <a:scrgbClr r="0" g="0" b="0"/>
-        </a:effectRef>
-        <a:fontRef idx="minor"/>
-      </dsp:style>
-      <dsp:txBody>
-        <a:bodyPr spcFirstLastPara="0" vert="horz" wrap="square" lIns="179070" tIns="179070" rIns="179070" bIns="179070" numCol="1" spcCol="1270" anchor="ctr" anchorCtr="0">
-          <a:noAutofit/>
-        </a:bodyPr>
-        <a:lstStyle/>
-        <a:p>
-          <a:pPr lvl="0" algn="ctr" defTabSz="2089150">
-            <a:lnSpc>
-              <a:spcPct val="90000"/>
-            </a:lnSpc>
-            <a:spcBef>
-              <a:spcPct val="0"/>
-            </a:spcBef>
-            <a:spcAft>
-              <a:spcPct val="35000"/>
-            </a:spcAft>
-          </a:pPr>
-          <a:endParaRPr lang="uk-UA" sz="4700" kern="1200" dirty="0"/>
-        </a:p>
-      </dsp:txBody>
-      <dsp:txXfrm>
-        <a:off x="4529234" y="31741"/>
-        <a:ext cx="1887238" cy="1020251"/>
-      </dsp:txXfrm>
-    </dsp:sp>
-    <dsp:sp modelId="{A2C1A061-00D2-4528-92BE-92D7729059DC}">
-      <dsp:nvSpPr>
-        <dsp:cNvPr id="0" name=""/>
-        <dsp:cNvSpPr/>
-      </dsp:nvSpPr>
-      <dsp:spPr>
-        <a:xfrm>
-          <a:off x="3657599" y="4605866"/>
-          <a:ext cx="812800" cy="812800"/>
-        </a:xfrm>
-        <a:prstGeom prst="triangle">
-          <a:avLst/>
-        </a:prstGeom>
-        <a:solidFill>
-          <a:schemeClr val="accent1">
-            <a:alpha val="90000"/>
-            <a:tint val="40000"/>
-            <a:hueOff val="0"/>
-            <a:satOff val="0"/>
-            <a:lumOff val="0"/>
-            <a:alphaOff val="0"/>
-          </a:schemeClr>
-        </a:solidFill>
-        <a:ln w="19050" cap="flat" cmpd="sng" algn="ctr">
-          <a:solidFill>
-            <a:schemeClr val="accent1">
-              <a:alpha val="90000"/>
-              <a:tint val="40000"/>
-              <a:hueOff val="0"/>
-              <a:satOff val="0"/>
-              <a:lumOff val="0"/>
-              <a:alphaOff val="0"/>
-            </a:schemeClr>
-          </a:solidFill>
-          <a:prstDash val="solid"/>
-        </a:ln>
-        <a:effectLst/>
-      </dsp:spPr>
-      <dsp:style>
-        <a:lnRef idx="2">
-          <a:scrgbClr r="0" g="0" b="0"/>
-        </a:lnRef>
-        <a:fillRef idx="1">
-          <a:scrgbClr r="0" g="0" b="0"/>
-        </a:fillRef>
-        <a:effectRef idx="0">
-          <a:scrgbClr r="0" g="0" b="0"/>
-        </a:effectRef>
-        <a:fontRef idx="minor"/>
-      </dsp:style>
-    </dsp:sp>
-    <dsp:sp modelId="{D72DCB68-25B6-45E4-884D-DBB6FDA3FC35}">
-      <dsp:nvSpPr>
-        <dsp:cNvPr id="0" name=""/>
-        <dsp:cNvSpPr/>
-      </dsp:nvSpPr>
-      <dsp:spPr>
-        <a:xfrm rot="240000">
-          <a:off x="1624855" y="4257573"/>
-          <a:ext cx="4878289" cy="341123"/>
-        </a:xfrm>
-        <a:prstGeom prst="rect">
-          <a:avLst/>
-        </a:prstGeom>
-        <a:solidFill>
-          <a:schemeClr val="accent1">
-            <a:alpha val="90000"/>
-            <a:tint val="40000"/>
-            <a:hueOff val="0"/>
-            <a:satOff val="0"/>
-            <a:lumOff val="0"/>
-            <a:alphaOff val="0"/>
-          </a:schemeClr>
-        </a:solidFill>
-        <a:ln w="19050" cap="flat" cmpd="sng" algn="ctr">
-          <a:solidFill>
-            <a:schemeClr val="accent1">
-              <a:alpha val="90000"/>
-              <a:tint val="40000"/>
-              <a:hueOff val="0"/>
-              <a:satOff val="0"/>
-              <a:lumOff val="0"/>
-              <a:alphaOff val="0"/>
-            </a:schemeClr>
-          </a:solidFill>
-          <a:prstDash val="solid"/>
-        </a:ln>
-        <a:effectLst/>
-      </dsp:spPr>
-      <dsp:style>
-        <a:lnRef idx="2">
-          <a:scrgbClr r="0" g="0" b="0"/>
-        </a:lnRef>
-        <a:fillRef idx="1">
-          <a:scrgbClr r="0" g="0" b="0"/>
-        </a:fillRef>
-        <a:effectRef idx="0">
-          <a:scrgbClr r="0" g="0" b="0"/>
-        </a:effectRef>
-        <a:fontRef idx="minor"/>
-      </dsp:style>
-    </dsp:sp>
-    <dsp:sp modelId="{D5260BAC-3E09-4F98-9770-6E0AFA57E598}">
-      <dsp:nvSpPr>
-        <dsp:cNvPr id="0" name=""/>
-        <dsp:cNvSpPr/>
-      </dsp:nvSpPr>
-      <dsp:spPr>
-        <a:xfrm rot="240000">
-          <a:off x="4553844" y="3404681"/>
-          <a:ext cx="1946391" cy="906819"/>
-        </a:xfrm>
-        <a:prstGeom prst="roundRect">
-          <a:avLst/>
-        </a:prstGeom>
-        <a:solidFill>
-          <a:schemeClr val="accent1">
-            <a:hueOff val="0"/>
-            <a:satOff val="0"/>
-            <a:lumOff val="0"/>
-            <a:alphaOff val="0"/>
-          </a:schemeClr>
-        </a:solidFill>
-        <a:ln w="19050" cap="flat" cmpd="sng" algn="ctr">
-          <a:solidFill>
-            <a:schemeClr val="lt1">
-              <a:hueOff val="0"/>
-              <a:satOff val="0"/>
-              <a:lumOff val="0"/>
-              <a:alphaOff val="0"/>
-            </a:schemeClr>
-          </a:solidFill>
-          <a:prstDash val="solid"/>
-        </a:ln>
-        <a:effectLst/>
-      </dsp:spPr>
-      <dsp:style>
-        <a:lnRef idx="2">
-          <a:scrgbClr r="0" g="0" b="0"/>
-        </a:lnRef>
-        <a:fillRef idx="1">
-          <a:scrgbClr r="0" g="0" b="0"/>
-        </a:fillRef>
-        <a:effectRef idx="0">
-          <a:scrgbClr r="0" g="0" b="0"/>
-        </a:effectRef>
-        <a:fontRef idx="minor">
-          <a:schemeClr val="lt1"/>
-        </a:fontRef>
-      </dsp:style>
-      <dsp:txBody>
-        <a:bodyPr spcFirstLastPara="0" vert="horz" wrap="square" lIns="140970" tIns="140970" rIns="140970" bIns="140970" numCol="1" spcCol="1270" anchor="ctr" anchorCtr="0">
-          <a:noAutofit/>
-        </a:bodyPr>
-        <a:lstStyle/>
-        <a:p>
-          <a:pPr lvl="0" algn="ctr" defTabSz="1644650">
-            <a:lnSpc>
-              <a:spcPct val="90000"/>
-            </a:lnSpc>
-            <a:spcBef>
-              <a:spcPct val="0"/>
-            </a:spcBef>
-            <a:spcAft>
-              <a:spcPct val="35000"/>
-            </a:spcAft>
-          </a:pPr>
-          <a:endParaRPr lang="uk-UA" sz="3700" kern="1200" dirty="0"/>
-        </a:p>
-      </dsp:txBody>
-      <dsp:txXfrm>
-        <a:off x="4598111" y="3448948"/>
-        <a:ext cx="1857857" cy="818285"/>
-      </dsp:txXfrm>
-    </dsp:sp>
-    <dsp:sp modelId="{77970359-A4AC-413A-BE3A-4AA759D2CE4C}">
-      <dsp:nvSpPr>
-        <dsp:cNvPr id="0" name=""/>
-        <dsp:cNvSpPr/>
-      </dsp:nvSpPr>
-      <dsp:spPr>
-        <a:xfrm rot="240000">
-          <a:off x="4624286" y="2429321"/>
-          <a:ext cx="1946391" cy="906819"/>
-        </a:xfrm>
-        <a:prstGeom prst="roundRect">
-          <a:avLst/>
-        </a:prstGeom>
-        <a:solidFill>
-          <a:schemeClr val="accent1">
-            <a:hueOff val="0"/>
-            <a:satOff val="0"/>
-            <a:lumOff val="0"/>
-            <a:alphaOff val="0"/>
-          </a:schemeClr>
-        </a:solidFill>
-        <a:ln w="19050" cap="flat" cmpd="sng" algn="ctr">
-          <a:solidFill>
-            <a:schemeClr val="lt1">
-              <a:hueOff val="0"/>
-              <a:satOff val="0"/>
-              <a:lumOff val="0"/>
-              <a:alphaOff val="0"/>
-            </a:schemeClr>
-          </a:solidFill>
-          <a:prstDash val="solid"/>
-        </a:ln>
-        <a:effectLst/>
-      </dsp:spPr>
-      <dsp:style>
-        <a:lnRef idx="2">
-          <a:scrgbClr r="0" g="0" b="0"/>
-        </a:lnRef>
-        <a:fillRef idx="1">
-          <a:scrgbClr r="0" g="0" b="0"/>
-        </a:fillRef>
-        <a:effectRef idx="0">
-          <a:scrgbClr r="0" g="0" b="0"/>
-        </a:effectRef>
-        <a:fontRef idx="minor">
-          <a:schemeClr val="lt1"/>
-        </a:fontRef>
-      </dsp:style>
-      <dsp:txBody>
-        <a:bodyPr spcFirstLastPara="0" vert="horz" wrap="square" lIns="140970" tIns="140970" rIns="140970" bIns="140970" numCol="1" spcCol="1270" anchor="ctr" anchorCtr="0">
-          <a:noAutofit/>
-        </a:bodyPr>
-        <a:lstStyle/>
-        <a:p>
-          <a:pPr lvl="0" algn="ctr" defTabSz="1644650">
-            <a:lnSpc>
-              <a:spcPct val="90000"/>
-            </a:lnSpc>
-            <a:spcBef>
-              <a:spcPct val="0"/>
-            </a:spcBef>
-            <a:spcAft>
-              <a:spcPct val="35000"/>
-            </a:spcAft>
-          </a:pPr>
-          <a:endParaRPr lang="uk-UA" sz="3700" kern="1200" dirty="0"/>
-        </a:p>
-      </dsp:txBody>
-      <dsp:txXfrm>
-        <a:off x="4668553" y="2473588"/>
-        <a:ext cx="1857857" cy="818285"/>
-      </dsp:txXfrm>
-    </dsp:sp>
-    <dsp:sp modelId="{E29727FF-2A9A-4982-9DBF-19E9A48344BF}">
-      <dsp:nvSpPr>
-        <dsp:cNvPr id="0" name=""/>
-        <dsp:cNvSpPr/>
-      </dsp:nvSpPr>
-      <dsp:spPr>
-        <a:xfrm rot="240000">
-          <a:off x="4694729" y="1475635"/>
-          <a:ext cx="1946391" cy="906819"/>
-        </a:xfrm>
-        <a:prstGeom prst="roundRect">
-          <a:avLst/>
-        </a:prstGeom>
-        <a:solidFill>
-          <a:schemeClr val="accent1">
-            <a:hueOff val="0"/>
-            <a:satOff val="0"/>
-            <a:lumOff val="0"/>
-            <a:alphaOff val="0"/>
-          </a:schemeClr>
-        </a:solidFill>
-        <a:ln w="19050" cap="flat" cmpd="sng" algn="ctr">
-          <a:solidFill>
-            <a:schemeClr val="lt1">
-              <a:hueOff val="0"/>
-              <a:satOff val="0"/>
-              <a:lumOff val="0"/>
-              <a:alphaOff val="0"/>
-            </a:schemeClr>
-          </a:solidFill>
-          <a:prstDash val="solid"/>
-        </a:ln>
-        <a:effectLst/>
-      </dsp:spPr>
-      <dsp:style>
-        <a:lnRef idx="2">
-          <a:scrgbClr r="0" g="0" b="0"/>
-        </a:lnRef>
-        <a:fillRef idx="1">
-          <a:scrgbClr r="0" g="0" b="0"/>
-        </a:fillRef>
-        <a:effectRef idx="0">
-          <a:scrgbClr r="0" g="0" b="0"/>
-        </a:effectRef>
-        <a:fontRef idx="minor">
-          <a:schemeClr val="lt1"/>
-        </a:fontRef>
-      </dsp:style>
-      <dsp:txBody>
-        <a:bodyPr spcFirstLastPara="0" vert="horz" wrap="square" lIns="140970" tIns="140970" rIns="140970" bIns="140970" numCol="1" spcCol="1270" anchor="ctr" anchorCtr="0">
-          <a:noAutofit/>
-        </a:bodyPr>
-        <a:lstStyle/>
-        <a:p>
-          <a:pPr lvl="0" algn="ctr" defTabSz="1644650">
-            <a:lnSpc>
-              <a:spcPct val="90000"/>
-            </a:lnSpc>
-            <a:spcBef>
-              <a:spcPct val="0"/>
-            </a:spcBef>
-            <a:spcAft>
-              <a:spcPct val="35000"/>
-            </a:spcAft>
-          </a:pPr>
-          <a:endParaRPr lang="uk-UA" sz="3700" kern="1200" dirty="0"/>
-        </a:p>
-      </dsp:txBody>
-      <dsp:txXfrm>
-        <a:off x="4738996" y="1519902"/>
-        <a:ext cx="1857857" cy="818285"/>
-      </dsp:txXfrm>
-    </dsp:sp>
-    <dsp:sp modelId="{6E964ADB-B957-4556-8677-D9C0BF3F3174}">
-      <dsp:nvSpPr>
-        <dsp:cNvPr id="0" name=""/>
-        <dsp:cNvSpPr/>
-      </dsp:nvSpPr>
-      <dsp:spPr>
-        <a:xfrm rot="240000">
-          <a:off x="1763230" y="3209609"/>
-          <a:ext cx="1946391" cy="906819"/>
-        </a:xfrm>
-        <a:prstGeom prst="roundRect">
-          <a:avLst/>
-        </a:prstGeom>
-        <a:solidFill>
-          <a:schemeClr val="accent1">
-            <a:hueOff val="0"/>
-            <a:satOff val="0"/>
-            <a:lumOff val="0"/>
-            <a:alphaOff val="0"/>
-          </a:schemeClr>
-        </a:solidFill>
-        <a:ln w="19050" cap="flat" cmpd="sng" algn="ctr">
-          <a:solidFill>
-            <a:schemeClr val="lt1">
-              <a:hueOff val="0"/>
-              <a:satOff val="0"/>
-              <a:lumOff val="0"/>
-              <a:alphaOff val="0"/>
-            </a:schemeClr>
-          </a:solidFill>
-          <a:prstDash val="solid"/>
-        </a:ln>
-        <a:effectLst/>
-      </dsp:spPr>
-      <dsp:style>
-        <a:lnRef idx="2">
-          <a:scrgbClr r="0" g="0" b="0"/>
-        </a:lnRef>
-        <a:fillRef idx="1">
-          <a:scrgbClr r="0" g="0" b="0"/>
-        </a:fillRef>
-        <a:effectRef idx="0">
-          <a:scrgbClr r="0" g="0" b="0"/>
-        </a:effectRef>
-        <a:fontRef idx="minor">
-          <a:schemeClr val="lt1"/>
-        </a:fontRef>
-      </dsp:style>
-      <dsp:txBody>
-        <a:bodyPr spcFirstLastPara="0" vert="horz" wrap="square" lIns="140970" tIns="140970" rIns="140970" bIns="140970" numCol="1" spcCol="1270" anchor="ctr" anchorCtr="0">
-          <a:noAutofit/>
-        </a:bodyPr>
-        <a:lstStyle/>
-        <a:p>
-          <a:pPr lvl="0" algn="ctr" defTabSz="1644650">
-            <a:lnSpc>
-              <a:spcPct val="90000"/>
-            </a:lnSpc>
-            <a:spcBef>
-              <a:spcPct val="0"/>
-            </a:spcBef>
-            <a:spcAft>
-              <a:spcPct val="35000"/>
-            </a:spcAft>
-          </a:pPr>
-          <a:endParaRPr lang="uk-UA" sz="3700" kern="1200" dirty="0"/>
-        </a:p>
-      </dsp:txBody>
-      <dsp:txXfrm>
-        <a:off x="1807497" y="3253876"/>
-        <a:ext cx="1857857" cy="818285"/>
-      </dsp:txXfrm>
-    </dsp:sp>
-    <dsp:sp modelId="{89613EDE-BD0D-4FFC-AC5D-F0550D2B45C5}">
-      <dsp:nvSpPr>
-        <dsp:cNvPr id="0" name=""/>
-        <dsp:cNvSpPr/>
-      </dsp:nvSpPr>
-      <dsp:spPr>
-        <a:xfrm rot="240000">
-          <a:off x="1833673" y="2234249"/>
-          <a:ext cx="1946391" cy="906819"/>
-        </a:xfrm>
-        <a:prstGeom prst="roundRect">
-          <a:avLst/>
-        </a:prstGeom>
-        <a:solidFill>
-          <a:schemeClr val="accent1">
-            <a:hueOff val="0"/>
-            <a:satOff val="0"/>
-            <a:lumOff val="0"/>
-            <a:alphaOff val="0"/>
-          </a:schemeClr>
-        </a:solidFill>
-        <a:ln w="19050" cap="flat" cmpd="sng" algn="ctr">
-          <a:solidFill>
-            <a:schemeClr val="lt1">
-              <a:hueOff val="0"/>
-              <a:satOff val="0"/>
-              <a:lumOff val="0"/>
-              <a:alphaOff val="0"/>
-            </a:schemeClr>
-          </a:solidFill>
-          <a:prstDash val="solid"/>
-        </a:ln>
-        <a:effectLst/>
-      </dsp:spPr>
-      <dsp:style>
-        <a:lnRef idx="2">
-          <a:scrgbClr r="0" g="0" b="0"/>
-        </a:lnRef>
-        <a:fillRef idx="1">
-          <a:scrgbClr r="0" g="0" b="0"/>
-        </a:fillRef>
-        <a:effectRef idx="0">
-          <a:scrgbClr r="0" g="0" b="0"/>
-        </a:effectRef>
-        <a:fontRef idx="minor">
-          <a:schemeClr val="lt1"/>
-        </a:fontRef>
-      </dsp:style>
-      <dsp:txBody>
-        <a:bodyPr spcFirstLastPara="0" vert="horz" wrap="square" lIns="140970" tIns="140970" rIns="140970" bIns="140970" numCol="1" spcCol="1270" anchor="ctr" anchorCtr="0">
-          <a:noAutofit/>
-        </a:bodyPr>
-        <a:lstStyle/>
-        <a:p>
-          <a:pPr lvl="0" algn="ctr" defTabSz="1644650">
-            <a:lnSpc>
-              <a:spcPct val="90000"/>
-            </a:lnSpc>
-            <a:spcBef>
-              <a:spcPct val="0"/>
-            </a:spcBef>
-            <a:spcAft>
-              <a:spcPct val="35000"/>
-            </a:spcAft>
-          </a:pPr>
-          <a:endParaRPr lang="uk-UA" sz="3700" kern="1200" dirty="0"/>
-        </a:p>
-      </dsp:txBody>
-      <dsp:txXfrm>
-        <a:off x="1877940" y="2278516"/>
-        <a:ext cx="1857857" cy="818285"/>
-      </dsp:txXfrm>
-    </dsp:sp>
   </dsp:spTree>
 </dsp:drawing>
 </file>
@@ -4446,364 +3944,6 @@
       <dsp:cNvGrpSpPr/>
     </dsp:nvGrpSpPr>
     <dsp:grpSpPr/>
-    <dsp:sp modelId="{D43EC6B5-2F60-4D1B-B8B8-31EE20D34C3D}">
-      <dsp:nvSpPr>
-        <dsp:cNvPr id="0" name=""/>
-        <dsp:cNvSpPr/>
-      </dsp:nvSpPr>
-      <dsp:spPr>
-        <a:xfrm>
-          <a:off x="0" y="440399"/>
-          <a:ext cx="6223001" cy="3889375"/>
-        </a:xfrm>
-        <a:prstGeom prst="swooshArrow">
-          <a:avLst>
-            <a:gd name="adj1" fmla="val 25000"/>
-            <a:gd name="adj2" fmla="val 25000"/>
-          </a:avLst>
-        </a:prstGeom>
-        <a:solidFill>
-          <a:schemeClr val="accent1">
-            <a:tint val="40000"/>
-            <a:hueOff val="0"/>
-            <a:satOff val="0"/>
-            <a:lumOff val="0"/>
-            <a:alphaOff val="0"/>
-          </a:schemeClr>
-        </a:solidFill>
-        <a:ln>
-          <a:noFill/>
-        </a:ln>
-        <a:effectLst/>
-      </dsp:spPr>
-      <dsp:style>
-        <a:lnRef idx="0">
-          <a:scrgbClr r="0" g="0" b="0"/>
-        </a:lnRef>
-        <a:fillRef idx="1">
-          <a:scrgbClr r="0" g="0" b="0"/>
-        </a:fillRef>
-        <a:effectRef idx="0">
-          <a:scrgbClr r="0" g="0" b="0"/>
-        </a:effectRef>
-        <a:fontRef idx="minor"/>
-      </dsp:style>
-    </dsp:sp>
-    <dsp:sp modelId="{CD3C5C0D-26A4-45F0-A789-1AD585267A93}">
-      <dsp:nvSpPr>
-        <dsp:cNvPr id="0" name=""/>
-        <dsp:cNvSpPr/>
-      </dsp:nvSpPr>
-      <dsp:spPr>
-        <a:xfrm>
-          <a:off x="790321" y="3144293"/>
-          <a:ext cx="161798" cy="161798"/>
-        </a:xfrm>
-        <a:prstGeom prst="ellipse">
-          <a:avLst/>
-        </a:prstGeom>
-        <a:solidFill>
-          <a:schemeClr val="accent1">
-            <a:hueOff val="0"/>
-            <a:satOff val="0"/>
-            <a:lumOff val="0"/>
-            <a:alphaOff val="0"/>
-          </a:schemeClr>
-        </a:solidFill>
-        <a:ln w="19050" cap="flat" cmpd="sng" algn="ctr">
-          <a:solidFill>
-            <a:schemeClr val="lt1">
-              <a:hueOff val="0"/>
-              <a:satOff val="0"/>
-              <a:lumOff val="0"/>
-              <a:alphaOff val="0"/>
-            </a:schemeClr>
-          </a:solidFill>
-          <a:prstDash val="solid"/>
-        </a:ln>
-        <a:effectLst/>
-      </dsp:spPr>
-      <dsp:style>
-        <a:lnRef idx="2">
-          <a:scrgbClr r="0" g="0" b="0"/>
-        </a:lnRef>
-        <a:fillRef idx="1">
-          <a:scrgbClr r="0" g="0" b="0"/>
-        </a:fillRef>
-        <a:effectRef idx="0">
-          <a:scrgbClr r="0" g="0" b="0"/>
-        </a:effectRef>
-        <a:fontRef idx="minor">
-          <a:schemeClr val="lt1"/>
-        </a:fontRef>
-      </dsp:style>
-    </dsp:sp>
-    <dsp:sp modelId="{CAB05EBE-2C47-4524-9785-19D0C81DB386}">
-      <dsp:nvSpPr>
-        <dsp:cNvPr id="0" name=""/>
-        <dsp:cNvSpPr/>
-      </dsp:nvSpPr>
-      <dsp:spPr>
-        <a:xfrm>
-          <a:off x="871220" y="3225192"/>
-          <a:ext cx="1449959" cy="1124029"/>
-        </a:xfrm>
-        <a:prstGeom prst="rect">
-          <a:avLst/>
-        </a:prstGeom>
-        <a:noFill/>
-        <a:ln>
-          <a:noFill/>
-        </a:ln>
-        <a:effectLst/>
-      </dsp:spPr>
-      <dsp:style>
-        <a:lnRef idx="0">
-          <a:scrgbClr r="0" g="0" b="0"/>
-        </a:lnRef>
-        <a:fillRef idx="0">
-          <a:scrgbClr r="0" g="0" b="0"/>
-        </a:fillRef>
-        <a:effectRef idx="0">
-          <a:scrgbClr r="0" g="0" b="0"/>
-        </a:effectRef>
-        <a:fontRef idx="minor"/>
-      </dsp:style>
-      <dsp:txBody>
-        <a:bodyPr spcFirstLastPara="0" vert="horz" wrap="square" lIns="85733" tIns="0" rIns="0" bIns="0" numCol="1" spcCol="1270" anchor="t" anchorCtr="0">
-          <a:noAutofit/>
-        </a:bodyPr>
-        <a:lstStyle/>
-        <a:p>
-          <a:pPr lvl="0" algn="l" defTabSz="2889250">
-            <a:lnSpc>
-              <a:spcPct val="90000"/>
-            </a:lnSpc>
-            <a:spcBef>
-              <a:spcPct val="0"/>
-            </a:spcBef>
-            <a:spcAft>
-              <a:spcPct val="35000"/>
-            </a:spcAft>
-          </a:pPr>
-          <a:endParaRPr lang="uk-UA" sz="6500" kern="1200" dirty="0"/>
-        </a:p>
-      </dsp:txBody>
-      <dsp:txXfrm>
-        <a:off x="871220" y="3225192"/>
-        <a:ext cx="1449959" cy="1124029"/>
-      </dsp:txXfrm>
-    </dsp:sp>
-    <dsp:sp modelId="{3E50F3E2-E24D-41D5-822C-E534F98A1E7B}">
-      <dsp:nvSpPr>
-        <dsp:cNvPr id="0" name=""/>
-        <dsp:cNvSpPr/>
-      </dsp:nvSpPr>
-      <dsp:spPr>
-        <a:xfrm>
-          <a:off x="2218499" y="2087160"/>
-          <a:ext cx="292481" cy="292481"/>
-        </a:xfrm>
-        <a:prstGeom prst="ellipse">
-          <a:avLst/>
-        </a:prstGeom>
-        <a:solidFill>
-          <a:schemeClr val="accent1">
-            <a:hueOff val="0"/>
-            <a:satOff val="0"/>
-            <a:lumOff val="0"/>
-            <a:alphaOff val="0"/>
-          </a:schemeClr>
-        </a:solidFill>
-        <a:ln w="19050" cap="flat" cmpd="sng" algn="ctr">
-          <a:solidFill>
-            <a:schemeClr val="lt1">
-              <a:hueOff val="0"/>
-              <a:satOff val="0"/>
-              <a:lumOff val="0"/>
-              <a:alphaOff val="0"/>
-            </a:schemeClr>
-          </a:solidFill>
-          <a:prstDash val="solid"/>
-        </a:ln>
-        <a:effectLst/>
-      </dsp:spPr>
-      <dsp:style>
-        <a:lnRef idx="2">
-          <a:scrgbClr r="0" g="0" b="0"/>
-        </a:lnRef>
-        <a:fillRef idx="1">
-          <a:scrgbClr r="0" g="0" b="0"/>
-        </a:fillRef>
-        <a:effectRef idx="0">
-          <a:scrgbClr r="0" g="0" b="0"/>
-        </a:effectRef>
-        <a:fontRef idx="minor">
-          <a:schemeClr val="lt1"/>
-        </a:fontRef>
-      </dsp:style>
-    </dsp:sp>
-    <dsp:sp modelId="{846CCD19-40BA-46A3-A799-E9F0A8D93D4D}">
-      <dsp:nvSpPr>
-        <dsp:cNvPr id="0" name=""/>
-        <dsp:cNvSpPr/>
-      </dsp:nvSpPr>
-      <dsp:spPr>
-        <a:xfrm>
-          <a:off x="2364740" y="2233401"/>
-          <a:ext cx="1493520" cy="2115820"/>
-        </a:xfrm>
-        <a:prstGeom prst="rect">
-          <a:avLst/>
-        </a:prstGeom>
-        <a:noFill/>
-        <a:ln>
-          <a:noFill/>
-        </a:ln>
-        <a:effectLst/>
-      </dsp:spPr>
-      <dsp:style>
-        <a:lnRef idx="0">
-          <a:scrgbClr r="0" g="0" b="0"/>
-        </a:lnRef>
-        <a:fillRef idx="0">
-          <a:scrgbClr r="0" g="0" b="0"/>
-        </a:fillRef>
-        <a:effectRef idx="0">
-          <a:scrgbClr r="0" g="0" b="0"/>
-        </a:effectRef>
-        <a:fontRef idx="minor"/>
-      </dsp:style>
-      <dsp:txBody>
-        <a:bodyPr spcFirstLastPara="0" vert="horz" wrap="square" lIns="154980" tIns="0" rIns="0" bIns="0" numCol="1" spcCol="1270" anchor="t" anchorCtr="0">
-          <a:noAutofit/>
-        </a:bodyPr>
-        <a:lstStyle/>
-        <a:p>
-          <a:pPr lvl="0" algn="l" defTabSz="2889250">
-            <a:lnSpc>
-              <a:spcPct val="90000"/>
-            </a:lnSpc>
-            <a:spcBef>
-              <a:spcPct val="0"/>
-            </a:spcBef>
-            <a:spcAft>
-              <a:spcPct val="35000"/>
-            </a:spcAft>
-          </a:pPr>
-          <a:endParaRPr lang="uk-UA" sz="6500" kern="1200" dirty="0"/>
-        </a:p>
-      </dsp:txBody>
-      <dsp:txXfrm>
-        <a:off x="2364740" y="2233401"/>
-        <a:ext cx="1493520" cy="2115820"/>
-      </dsp:txXfrm>
-    </dsp:sp>
-    <dsp:sp modelId="{E3356F4A-E2D8-45C5-ACBB-8D03690C947E}">
-      <dsp:nvSpPr>
-        <dsp:cNvPr id="0" name=""/>
-        <dsp:cNvSpPr/>
-      </dsp:nvSpPr>
-      <dsp:spPr>
-        <a:xfrm>
-          <a:off x="3936048" y="1443858"/>
-          <a:ext cx="404495" cy="404495"/>
-        </a:xfrm>
-        <a:prstGeom prst="ellipse">
-          <a:avLst/>
-        </a:prstGeom>
-        <a:solidFill>
-          <a:schemeClr val="accent1">
-            <a:hueOff val="0"/>
-            <a:satOff val="0"/>
-            <a:lumOff val="0"/>
-            <a:alphaOff val="0"/>
-          </a:schemeClr>
-        </a:solidFill>
-        <a:ln w="19050" cap="flat" cmpd="sng" algn="ctr">
-          <a:solidFill>
-            <a:schemeClr val="lt1">
-              <a:hueOff val="0"/>
-              <a:satOff val="0"/>
-              <a:lumOff val="0"/>
-              <a:alphaOff val="0"/>
-            </a:schemeClr>
-          </a:solidFill>
-          <a:prstDash val="solid"/>
-        </a:ln>
-        <a:effectLst/>
-      </dsp:spPr>
-      <dsp:style>
-        <a:lnRef idx="2">
-          <a:scrgbClr r="0" g="0" b="0"/>
-        </a:lnRef>
-        <a:fillRef idx="1">
-          <a:scrgbClr r="0" g="0" b="0"/>
-        </a:fillRef>
-        <a:effectRef idx="0">
-          <a:scrgbClr r="0" g="0" b="0"/>
-        </a:effectRef>
-        <a:fontRef idx="minor">
-          <a:schemeClr val="lt1"/>
-        </a:fontRef>
-      </dsp:style>
-    </dsp:sp>
-    <dsp:sp modelId="{4FA33129-B554-4394-AB55-9CFAAF751E72}">
-      <dsp:nvSpPr>
-        <dsp:cNvPr id="0" name=""/>
-        <dsp:cNvSpPr/>
-      </dsp:nvSpPr>
-      <dsp:spPr>
-        <a:xfrm>
-          <a:off x="4138295" y="1646105"/>
-          <a:ext cx="1493520" cy="2703116"/>
-        </a:xfrm>
-        <a:prstGeom prst="rect">
-          <a:avLst/>
-        </a:prstGeom>
-        <a:noFill/>
-        <a:ln>
-          <a:noFill/>
-        </a:ln>
-        <a:effectLst/>
-      </dsp:spPr>
-      <dsp:style>
-        <a:lnRef idx="0">
-          <a:scrgbClr r="0" g="0" b="0"/>
-        </a:lnRef>
-        <a:fillRef idx="0">
-          <a:scrgbClr r="0" g="0" b="0"/>
-        </a:fillRef>
-        <a:effectRef idx="0">
-          <a:scrgbClr r="0" g="0" b="0"/>
-        </a:effectRef>
-        <a:fontRef idx="minor"/>
-      </dsp:style>
-      <dsp:txBody>
-        <a:bodyPr spcFirstLastPara="0" vert="horz" wrap="square" lIns="214334" tIns="0" rIns="0" bIns="0" numCol="1" spcCol="1270" anchor="t" anchorCtr="0">
-          <a:noAutofit/>
-        </a:bodyPr>
-        <a:lstStyle/>
-        <a:p>
-          <a:pPr lvl="0" algn="l" defTabSz="2889250">
-            <a:lnSpc>
-              <a:spcPct val="90000"/>
-            </a:lnSpc>
-            <a:spcBef>
-              <a:spcPct val="0"/>
-            </a:spcBef>
-            <a:spcAft>
-              <a:spcPct val="35000"/>
-            </a:spcAft>
-          </a:pPr>
-          <a:endParaRPr lang="uk-UA" sz="6500" kern="1200" dirty="0"/>
-        </a:p>
-      </dsp:txBody>
-      <dsp:txXfrm>
-        <a:off x="4138295" y="1646105"/>
-        <a:ext cx="1493520" cy="2703116"/>
-      </dsp:txXfrm>
-    </dsp:sp>
   </dsp:spTree>
 </dsp:drawing>
 </file>
@@ -13201,7 +12341,7 @@
           <a:p>
             <a:fld id="{7A10686D-9832-44E7-B54A-B860DF2D3531}" type="datetimeFigureOut">
               <a:rPr lang="uk-UA" smtClean="0"/>
-              <a:t>11.09.2022</a:t>
+              <a:t>24.09.2022</a:t>
             </a:fld>
             <a:endParaRPr lang="uk-UA"/>
           </a:p>
@@ -13310,13 +12450,13 @@
   <p:clrMapOvr>
     <a:masterClrMapping/>
   </p:clrMapOvr>
-  <mc:AlternateContent xmlns:mc="http://schemas.openxmlformats.org/markup-compatibility/2006">
-    <mc:Choice xmlns:p14="http://schemas.microsoft.com/office/powerpoint/2010/main" Requires="p14">
+  <mc:AlternateContent xmlns:mc="http://schemas.openxmlformats.org/markup-compatibility/2006" xmlns:p14="http://schemas.microsoft.com/office/powerpoint/2010/main">
+    <mc:Choice Requires="p14">
       <p:transition spd="med" p14:dur="700">
         <p:fade/>
       </p:transition>
     </mc:Choice>
-    <mc:Fallback>
+    <mc:Fallback xmlns="">
       <p:transition spd="med">
         <p:fade/>
       </p:transition>
@@ -13434,7 +12574,7 @@
           <a:p>
             <a:fld id="{7A10686D-9832-44E7-B54A-B860DF2D3531}" type="datetimeFigureOut">
               <a:rPr lang="uk-UA" smtClean="0"/>
-              <a:t>11.09.2022</a:t>
+              <a:t>24.09.2022</a:t>
             </a:fld>
             <a:endParaRPr lang="uk-UA"/>
           </a:p>
@@ -13492,13 +12632,13 @@
   <p:clrMapOvr>
     <a:masterClrMapping/>
   </p:clrMapOvr>
-  <mc:AlternateContent xmlns:mc="http://schemas.openxmlformats.org/markup-compatibility/2006">
-    <mc:Choice xmlns:p14="http://schemas.microsoft.com/office/powerpoint/2010/main" Requires="p14">
+  <mc:AlternateContent xmlns:mc="http://schemas.openxmlformats.org/markup-compatibility/2006" xmlns:p14="http://schemas.microsoft.com/office/powerpoint/2010/main">
+    <mc:Choice Requires="p14">
       <p:transition spd="med" p14:dur="700">
         <p:fade/>
       </p:transition>
     </mc:Choice>
-    <mc:Fallback>
+    <mc:Fallback xmlns="">
       <p:transition spd="med">
         <p:fade/>
       </p:transition>
@@ -13626,7 +12766,7 @@
           <a:p>
             <a:fld id="{7A10686D-9832-44E7-B54A-B860DF2D3531}" type="datetimeFigureOut">
               <a:rPr lang="uk-UA" smtClean="0"/>
-              <a:t>11.09.2022</a:t>
+              <a:t>24.09.2022</a:t>
             </a:fld>
             <a:endParaRPr lang="uk-UA"/>
           </a:p>
@@ -13684,13 +12824,13 @@
   <p:clrMapOvr>
     <a:masterClrMapping/>
   </p:clrMapOvr>
-  <mc:AlternateContent xmlns:mc="http://schemas.openxmlformats.org/markup-compatibility/2006">
-    <mc:Choice xmlns:p14="http://schemas.microsoft.com/office/powerpoint/2010/main" Requires="p14">
+  <mc:AlternateContent xmlns:mc="http://schemas.openxmlformats.org/markup-compatibility/2006" xmlns:p14="http://schemas.microsoft.com/office/powerpoint/2010/main">
+    <mc:Choice Requires="p14">
       <p:transition spd="med" p14:dur="700">
         <p:fade/>
       </p:transition>
     </mc:Choice>
-    <mc:Fallback>
+    <mc:Fallback xmlns="">
       <p:transition spd="med">
         <p:fade/>
       </p:transition>
@@ -13808,7 +12948,7 @@
           <a:p>
             <a:fld id="{7A10686D-9832-44E7-B54A-B860DF2D3531}" type="datetimeFigureOut">
               <a:rPr lang="uk-UA" smtClean="0"/>
-              <a:t>11.09.2022</a:t>
+              <a:t>24.09.2022</a:t>
             </a:fld>
             <a:endParaRPr lang="uk-UA"/>
           </a:p>
@@ -13866,13 +13006,13 @@
   <p:clrMapOvr>
     <a:masterClrMapping/>
   </p:clrMapOvr>
-  <mc:AlternateContent xmlns:mc="http://schemas.openxmlformats.org/markup-compatibility/2006">
-    <mc:Choice xmlns:p14="http://schemas.microsoft.com/office/powerpoint/2010/main" Requires="p14">
+  <mc:AlternateContent xmlns:mc="http://schemas.openxmlformats.org/markup-compatibility/2006" xmlns:p14="http://schemas.microsoft.com/office/powerpoint/2010/main">
+    <mc:Choice Requires="p14">
       <p:transition spd="med" p14:dur="700">
         <p:fade/>
       </p:transition>
     </mc:Choice>
-    <mc:Fallback>
+    <mc:Fallback xmlns="">
       <p:transition spd="med">
         <p:fade/>
       </p:transition>
@@ -14071,7 +13211,7 @@
           <a:p>
             <a:fld id="{7A10686D-9832-44E7-B54A-B860DF2D3531}" type="datetimeFigureOut">
               <a:rPr lang="uk-UA" smtClean="0"/>
-              <a:t>11.09.2022</a:t>
+              <a:t>24.09.2022</a:t>
             </a:fld>
             <a:endParaRPr lang="uk-UA"/>
           </a:p>
@@ -14164,13 +13304,13 @@
   <p:clrMapOvr>
     <a:masterClrMapping/>
   </p:clrMapOvr>
-  <mc:AlternateContent xmlns:mc="http://schemas.openxmlformats.org/markup-compatibility/2006">
-    <mc:Choice xmlns:p14="http://schemas.microsoft.com/office/powerpoint/2010/main" Requires="p14">
+  <mc:AlternateContent xmlns:mc="http://schemas.openxmlformats.org/markup-compatibility/2006" xmlns:p14="http://schemas.microsoft.com/office/powerpoint/2010/main">
+    <mc:Choice Requires="p14">
       <p:transition spd="med" p14:dur="700">
         <p:fade/>
       </p:transition>
     </mc:Choice>
-    <mc:Fallback>
+    <mc:Fallback xmlns="">
       <p:transition spd="med">
         <p:fade/>
       </p:transition>
@@ -14406,7 +13546,7 @@
           <a:p>
             <a:fld id="{7A10686D-9832-44E7-B54A-B860DF2D3531}" type="datetimeFigureOut">
               <a:rPr lang="uk-UA" smtClean="0"/>
-              <a:t>11.09.2022</a:t>
+              <a:t>24.09.2022</a:t>
             </a:fld>
             <a:endParaRPr lang="uk-UA"/>
           </a:p>
@@ -14464,13 +13604,13 @@
   <p:clrMapOvr>
     <a:masterClrMapping/>
   </p:clrMapOvr>
-  <mc:AlternateContent xmlns:mc="http://schemas.openxmlformats.org/markup-compatibility/2006">
-    <mc:Choice xmlns:p14="http://schemas.microsoft.com/office/powerpoint/2010/main" Requires="p14">
+  <mc:AlternateContent xmlns:mc="http://schemas.openxmlformats.org/markup-compatibility/2006" xmlns:p14="http://schemas.microsoft.com/office/powerpoint/2010/main">
+    <mc:Choice Requires="p14">
       <p:transition spd="med" p14:dur="700">
         <p:fade/>
       </p:transition>
     </mc:Choice>
-    <mc:Fallback>
+    <mc:Fallback xmlns="">
       <p:transition spd="med">
         <p:fade/>
       </p:transition>
@@ -14842,7 +13982,7 @@
           <a:p>
             <a:fld id="{7A10686D-9832-44E7-B54A-B860DF2D3531}" type="datetimeFigureOut">
               <a:rPr lang="uk-UA" smtClean="0"/>
-              <a:t>11.09.2022</a:t>
+              <a:t>24.09.2022</a:t>
             </a:fld>
             <a:endParaRPr lang="uk-UA"/>
           </a:p>
@@ -14900,13 +14040,13 @@
   <p:clrMapOvr>
     <a:masterClrMapping/>
   </p:clrMapOvr>
-  <mc:AlternateContent xmlns:mc="http://schemas.openxmlformats.org/markup-compatibility/2006">
-    <mc:Choice xmlns:p14="http://schemas.microsoft.com/office/powerpoint/2010/main" Requires="p14">
+  <mc:AlternateContent xmlns:mc="http://schemas.openxmlformats.org/markup-compatibility/2006" xmlns:p14="http://schemas.microsoft.com/office/powerpoint/2010/main">
+    <mc:Choice Requires="p14">
       <p:transition spd="med" p14:dur="700">
         <p:fade/>
       </p:transition>
     </mc:Choice>
-    <mc:Fallback>
+    <mc:Fallback xmlns="">
       <p:transition spd="med">
         <p:fade/>
       </p:transition>
@@ -14972,7 +14112,7 @@
           <a:p>
             <a:fld id="{7A10686D-9832-44E7-B54A-B860DF2D3531}" type="datetimeFigureOut">
               <a:rPr lang="uk-UA" smtClean="0"/>
-              <a:t>11.09.2022</a:t>
+              <a:t>24.09.2022</a:t>
             </a:fld>
             <a:endParaRPr lang="uk-UA"/>
           </a:p>
@@ -15030,13 +14170,13 @@
   <p:clrMapOvr>
     <a:masterClrMapping/>
   </p:clrMapOvr>
-  <mc:AlternateContent xmlns:mc="http://schemas.openxmlformats.org/markup-compatibility/2006">
-    <mc:Choice xmlns:p14="http://schemas.microsoft.com/office/powerpoint/2010/main" Requires="p14">
+  <mc:AlternateContent xmlns:mc="http://schemas.openxmlformats.org/markup-compatibility/2006" xmlns:p14="http://schemas.microsoft.com/office/powerpoint/2010/main">
+    <mc:Choice Requires="p14">
       <p:transition spd="med" p14:dur="700">
         <p:fade/>
       </p:transition>
     </mc:Choice>
-    <mc:Fallback>
+    <mc:Fallback xmlns="">
       <p:transition spd="med">
         <p:fade/>
       </p:transition>
@@ -15079,7 +14219,7 @@
           <a:p>
             <a:fld id="{7A10686D-9832-44E7-B54A-B860DF2D3531}" type="datetimeFigureOut">
               <a:rPr lang="uk-UA" smtClean="0"/>
-              <a:t>11.09.2022</a:t>
+              <a:t>24.09.2022</a:t>
             </a:fld>
             <a:endParaRPr lang="uk-UA"/>
           </a:p>
@@ -15137,13 +14277,13 @@
   <p:clrMapOvr>
     <a:masterClrMapping/>
   </p:clrMapOvr>
-  <mc:AlternateContent xmlns:mc="http://schemas.openxmlformats.org/markup-compatibility/2006">
-    <mc:Choice xmlns:p14="http://schemas.microsoft.com/office/powerpoint/2010/main" Requires="p14">
+  <mc:AlternateContent xmlns:mc="http://schemas.openxmlformats.org/markup-compatibility/2006" xmlns:p14="http://schemas.microsoft.com/office/powerpoint/2010/main">
+    <mc:Choice Requires="p14">
       <p:transition spd="med" p14:dur="700">
         <p:fade/>
       </p:transition>
     </mc:Choice>
-    <mc:Fallback>
+    <mc:Fallback xmlns="">
       <p:transition spd="med">
         <p:fade/>
       </p:transition>
@@ -15381,7 +14521,7 @@
           <a:p>
             <a:fld id="{7A10686D-9832-44E7-B54A-B860DF2D3531}" type="datetimeFigureOut">
               <a:rPr lang="uk-UA" smtClean="0"/>
-              <a:t>11.09.2022</a:t>
+              <a:t>24.09.2022</a:t>
             </a:fld>
             <a:endParaRPr lang="uk-UA"/>
           </a:p>
@@ -15439,13 +14579,13 @@
   <p:clrMapOvr>
     <a:masterClrMapping/>
   </p:clrMapOvr>
-  <mc:AlternateContent xmlns:mc="http://schemas.openxmlformats.org/markup-compatibility/2006">
-    <mc:Choice xmlns:p14="http://schemas.microsoft.com/office/powerpoint/2010/main" Requires="p14">
+  <mc:AlternateContent xmlns:mc="http://schemas.openxmlformats.org/markup-compatibility/2006" xmlns:p14="http://schemas.microsoft.com/office/powerpoint/2010/main">
+    <mc:Choice Requires="p14">
       <p:transition spd="med" p14:dur="700">
         <p:fade/>
       </p:transition>
     </mc:Choice>
-    <mc:Fallback>
+    <mc:Fallback xmlns="">
       <p:transition spd="med">
         <p:fade/>
       </p:transition>
@@ -15665,7 +14805,7 @@
           <a:p>
             <a:fld id="{7A10686D-9832-44E7-B54A-B860DF2D3531}" type="datetimeFigureOut">
               <a:rPr lang="uk-UA" smtClean="0"/>
-              <a:t>11.09.2022</a:t>
+              <a:t>24.09.2022</a:t>
             </a:fld>
             <a:endParaRPr lang="uk-UA"/>
           </a:p>
@@ -15723,13 +14863,13 @@
   <p:clrMapOvr>
     <a:masterClrMapping/>
   </p:clrMapOvr>
-  <mc:AlternateContent xmlns:mc="http://schemas.openxmlformats.org/markup-compatibility/2006">
-    <mc:Choice xmlns:p14="http://schemas.microsoft.com/office/powerpoint/2010/main" Requires="p14">
+  <mc:AlternateContent xmlns:mc="http://schemas.openxmlformats.org/markup-compatibility/2006" xmlns:p14="http://schemas.microsoft.com/office/powerpoint/2010/main">
+    <mc:Choice Requires="p14">
       <p:transition spd="med" p14:dur="700">
         <p:fade/>
       </p:transition>
     </mc:Choice>
-    <mc:Fallback>
+    <mc:Fallback xmlns="">
       <p:transition spd="med">
         <p:fade/>
       </p:transition>
@@ -15931,7 +15071,7 @@
           <a:p>
             <a:fld id="{7A10686D-9832-44E7-B54A-B860DF2D3531}" type="datetimeFigureOut">
               <a:rPr lang="uk-UA" smtClean="0"/>
-              <a:t>11.09.2022</a:t>
+              <a:t>24.09.2022</a:t>
             </a:fld>
             <a:endParaRPr lang="uk-UA"/>
           </a:p>
@@ -16032,13 +15172,13 @@
     <p:sldLayoutId id="2147483670" r:id="rId10"/>
     <p:sldLayoutId id="2147483671" r:id="rId11"/>
   </p:sldLayoutIdLst>
-  <mc:AlternateContent xmlns:mc="http://schemas.openxmlformats.org/markup-compatibility/2006">
-    <mc:Choice xmlns:p14="http://schemas.microsoft.com/office/powerpoint/2010/main" Requires="p14">
+  <mc:AlternateContent xmlns:mc="http://schemas.openxmlformats.org/markup-compatibility/2006" xmlns:p14="http://schemas.microsoft.com/office/powerpoint/2010/main">
+    <mc:Choice Requires="p14">
       <p:transition spd="med" p14:dur="700">
         <p:fade/>
       </p:transition>
     </mc:Choice>
-    <mc:Fallback>
+    <mc:Fallback xmlns="">
       <p:transition spd="med">
         <p:fade/>
       </p:transition>
@@ -16437,13 +15577,13 @@
   <p:clrMapOvr>
     <a:masterClrMapping/>
   </p:clrMapOvr>
-  <mc:AlternateContent xmlns:mc="http://schemas.openxmlformats.org/markup-compatibility/2006">
-    <mc:Choice xmlns:p14="http://schemas.microsoft.com/office/powerpoint/2010/main" Requires="p14">
+  <mc:AlternateContent xmlns:mc="http://schemas.openxmlformats.org/markup-compatibility/2006" xmlns:p14="http://schemas.microsoft.com/office/powerpoint/2010/main">
+    <mc:Choice Requires="p14">
       <p:transition spd="med" p14:dur="700">
         <p:fade/>
       </p:transition>
     </mc:Choice>
-    <mc:Fallback>
+    <mc:Fallback xmlns="">
       <p:transition spd="med">
         <p:fade/>
       </p:transition>
@@ -16459,7 +15599,1160 @@
 </p:sld>
 </file>
 
+<file path=ppt/slides/slide10.xml><?xml version="1.0" encoding="utf-8"?>
+<p:sld xmlns:a="http://schemas.openxmlformats.org/drawingml/2006/main" xmlns:r="http://schemas.openxmlformats.org/officeDocument/2006/relationships" xmlns:p="http://schemas.openxmlformats.org/presentationml/2006/main">
+  <p:cSld>
+    <p:spTree>
+      <p:nvGrpSpPr>
+        <p:cNvPr id="1" name=""/>
+        <p:cNvGrpSpPr/>
+        <p:nvPr/>
+      </p:nvGrpSpPr>
+      <p:grpSpPr>
+        <a:xfrm>
+          <a:off x="0" y="0"/>
+          <a:ext cx="0" cy="0"/>
+          <a:chOff x="0" y="0"/>
+          <a:chExt cx="0" cy="0"/>
+        </a:xfrm>
+      </p:grpSpPr>
+      <p:sp>
+        <p:nvSpPr>
+          <p:cNvPr id="2" name="TextBox 1"/>
+          <p:cNvSpPr txBox="1"/>
+          <p:nvPr/>
+        </p:nvSpPr>
+        <p:spPr>
+          <a:xfrm flipH="1">
+            <a:off x="6480385" y="635001"/>
+            <a:ext cx="5711615" cy="5693866"/>
+          </a:xfrm>
+          <a:prstGeom prst="rect">
+            <a:avLst/>
+          </a:prstGeom>
+          <a:noFill/>
+        </p:spPr>
+        <p:txBody>
+          <a:bodyPr wrap="square" rtlCol="0">
+            <a:spAutoFit/>
+          </a:bodyPr>
+          <a:lstStyle/>
+          <a:p>
+            <a:r>
+              <a:rPr lang="uk-UA" sz="2800" b="1" dirty="0" smtClean="0"/>
+              <a:t>Основний функціонал даного застосунку</a:t>
+            </a:r>
+            <a:r>
+              <a:rPr lang="en-US" sz="2800" b="1" dirty="0" smtClean="0"/>
+              <a:t>:</a:t>
+            </a:r>
+          </a:p>
+          <a:p>
+            <a:pPr marL="457200" indent="-457200">
+              <a:buFont typeface="Wingdings" panose="05000000000000000000" pitchFamily="2" charset="2"/>
+              <a:buChar char="§"/>
+            </a:pPr>
+            <a:r>
+              <a:rPr lang="uk-UA" sz="2800" dirty="0" smtClean="0"/>
+              <a:t>Можливість вибору мови</a:t>
+            </a:r>
+          </a:p>
+          <a:p>
+            <a:pPr marL="457200" indent="-457200">
+              <a:buFont typeface="Wingdings" panose="05000000000000000000" pitchFamily="2" charset="2"/>
+              <a:buChar char="§"/>
+            </a:pPr>
+            <a:r>
+              <a:rPr lang="uk-UA" sz="2800" dirty="0" smtClean="0"/>
+              <a:t>Можливість здійснення благодійного внеску</a:t>
+            </a:r>
+          </a:p>
+          <a:p>
+            <a:pPr marL="457200" indent="-457200">
+              <a:buFont typeface="Wingdings" panose="05000000000000000000" pitchFamily="2" charset="2"/>
+              <a:buChar char="§"/>
+            </a:pPr>
+            <a:r>
+              <a:rPr lang="uk-UA" sz="2800" dirty="0" smtClean="0"/>
+              <a:t>Реєстрація на курси першої медичної допомоги</a:t>
+            </a:r>
+          </a:p>
+          <a:p>
+            <a:pPr marL="457200" indent="-457200">
+              <a:buFont typeface="Wingdings" panose="05000000000000000000" pitchFamily="2" charset="2"/>
+              <a:buChar char="§"/>
+            </a:pPr>
+            <a:r>
+              <a:rPr lang="uk-UA" sz="2800" dirty="0" smtClean="0"/>
+              <a:t>Можливість переходу між вкладками</a:t>
+            </a:r>
+          </a:p>
+          <a:p>
+            <a:pPr marL="457200" indent="-457200">
+              <a:buFont typeface="Wingdings" panose="05000000000000000000" pitchFamily="2" charset="2"/>
+              <a:buChar char="§"/>
+            </a:pPr>
+            <a:r>
+              <a:rPr lang="uk-UA" sz="2800" dirty="0" smtClean="0"/>
+              <a:t>Наявність ауді0- та відео- матеріалів</a:t>
+            </a:r>
+          </a:p>
+          <a:p>
+            <a:pPr marL="457200" indent="-457200">
+              <a:buFont typeface="Wingdings" panose="05000000000000000000" pitchFamily="2" charset="2"/>
+              <a:buChar char="§"/>
+            </a:pPr>
+            <a:r>
+              <a:rPr lang="en-US" sz="2800" dirty="0" smtClean="0"/>
+              <a:t>Push – </a:t>
+            </a:r>
+            <a:r>
+              <a:rPr lang="uk-UA" sz="2800" dirty="0" smtClean="0"/>
+              <a:t>сповіщення</a:t>
+            </a:r>
+          </a:p>
+          <a:p>
+            <a:pPr marL="457200" indent="-457200">
+              <a:buFont typeface="Wingdings" panose="05000000000000000000" pitchFamily="2" charset="2"/>
+              <a:buChar char="§"/>
+            </a:pPr>
+            <a:endParaRPr lang="uk-UA" sz="2800" dirty="0"/>
+          </a:p>
+        </p:txBody>
+      </p:sp>
+      <p:graphicFrame>
+        <p:nvGraphicFramePr>
+          <p:cNvPr id="3" name="Схема 2"/>
+          <p:cNvGraphicFramePr/>
+          <p:nvPr>
+            <p:extLst>
+              <p:ext uri="{D42A27DB-BD31-4B8C-83A1-F6EECF244321}">
+                <p14:modId xmlns:p14="http://schemas.microsoft.com/office/powerpoint/2010/main" val="3985405871"/>
+              </p:ext>
+            </p:extLst>
+          </p:nvPr>
+        </p:nvGraphicFramePr>
+        <p:xfrm>
+          <a:off x="93133" y="973667"/>
+          <a:ext cx="6223001" cy="4809068"/>
+        </p:xfrm>
+        <a:graphic>
+          <a:graphicData uri="http://schemas.openxmlformats.org/drawingml/2006/diagram">
+            <dgm:relIds xmlns:dgm="http://schemas.openxmlformats.org/drawingml/2006/diagram" xmlns:r="http://schemas.openxmlformats.org/officeDocument/2006/relationships" r:dm="rId2" r:lo="rId3" r:qs="rId4" r:cs="rId5"/>
+          </a:graphicData>
+        </a:graphic>
+      </p:graphicFrame>
+    </p:spTree>
+    <p:extLst>
+      <p:ext uri="{BB962C8B-B14F-4D97-AF65-F5344CB8AC3E}">
+        <p14:creationId xmlns:p14="http://schemas.microsoft.com/office/powerpoint/2010/main" val="2099990677"/>
+      </p:ext>
+    </p:extLst>
+  </p:cSld>
+  <p:clrMapOvr>
+    <a:masterClrMapping/>
+  </p:clrMapOvr>
+  <mc:AlternateContent xmlns:mc="http://schemas.openxmlformats.org/markup-compatibility/2006" xmlns:p14="http://schemas.microsoft.com/office/powerpoint/2010/main">
+    <mc:Choice Requires="p14">
+      <p:transition spd="med" p14:dur="700">
+        <p:fade/>
+      </p:transition>
+    </mc:Choice>
+    <mc:Fallback xmlns="">
+      <p:transition spd="med">
+        <p:fade/>
+      </p:transition>
+    </mc:Fallback>
+  </mc:AlternateContent>
+  <p:timing>
+    <p:tnLst>
+      <p:par>
+        <p:cTn id="1" dur="indefinite" restart="never" nodeType="tmRoot">
+          <p:childTnLst>
+            <p:seq concurrent="1" nextAc="seek">
+              <p:cTn id="2" dur="indefinite" nodeType="mainSeq">
+                <p:childTnLst>
+                  <p:par>
+                    <p:cTn id="3" fill="hold">
+                      <p:stCondLst>
+                        <p:cond delay="indefinite"/>
+                        <p:cond evt="onBegin" delay="0">
+                          <p:tn val="2"/>
+                        </p:cond>
+                      </p:stCondLst>
+                      <p:childTnLst>
+                        <p:par>
+                          <p:cTn id="4" fill="hold">
+                            <p:stCondLst>
+                              <p:cond delay="0"/>
+                            </p:stCondLst>
+                            <p:childTnLst>
+                              <p:par>
+                                <p:cTn id="5" presetID="10" presetClass="entr" presetSubtype="0" fill="hold" nodeType="afterEffect">
+                                  <p:stCondLst>
+                                    <p:cond delay="250"/>
+                                  </p:stCondLst>
+                                  <p:childTnLst>
+                                    <p:set>
+                                      <p:cBhvr>
+                                        <p:cTn id="6" dur="1" fill="hold">
+                                          <p:stCondLst>
+                                            <p:cond delay="0"/>
+                                          </p:stCondLst>
+                                        </p:cTn>
+                                        <p:tgtEl>
+                                          <p:spTgt spid="2">
+                                            <p:txEl>
+                                              <p:pRg st="0" end="0"/>
+                                            </p:txEl>
+                                          </p:spTgt>
+                                        </p:tgtEl>
+                                        <p:attrNameLst>
+                                          <p:attrName>style.visibility</p:attrName>
+                                        </p:attrNameLst>
+                                      </p:cBhvr>
+                                      <p:to>
+                                        <p:strVal val="visible"/>
+                                      </p:to>
+                                    </p:set>
+                                    <p:animEffect transition="in" filter="fade">
+                                      <p:cBhvr>
+                                        <p:cTn id="7" dur="500"/>
+                                        <p:tgtEl>
+                                          <p:spTgt spid="2">
+                                            <p:txEl>
+                                              <p:pRg st="0" end="0"/>
+                                            </p:txEl>
+                                          </p:spTgt>
+                                        </p:tgtEl>
+                                      </p:cBhvr>
+                                    </p:animEffect>
+                                  </p:childTnLst>
+                                </p:cTn>
+                              </p:par>
+                            </p:childTnLst>
+                          </p:cTn>
+                        </p:par>
+                        <p:par>
+                          <p:cTn id="8" fill="hold">
+                            <p:stCondLst>
+                              <p:cond delay="750"/>
+                            </p:stCondLst>
+                            <p:childTnLst>
+                              <p:par>
+                                <p:cTn id="9" presetID="10" presetClass="entr" presetSubtype="0" fill="hold" nodeType="afterEffect">
+                                  <p:stCondLst>
+                                    <p:cond delay="0"/>
+                                  </p:stCondLst>
+                                  <p:childTnLst>
+                                    <p:set>
+                                      <p:cBhvr>
+                                        <p:cTn id="10" dur="1" fill="hold">
+                                          <p:stCondLst>
+                                            <p:cond delay="0"/>
+                                          </p:stCondLst>
+                                        </p:cTn>
+                                        <p:tgtEl>
+                                          <p:spTgt spid="2">
+                                            <p:txEl>
+                                              <p:pRg st="1" end="1"/>
+                                            </p:txEl>
+                                          </p:spTgt>
+                                        </p:tgtEl>
+                                        <p:attrNameLst>
+                                          <p:attrName>style.visibility</p:attrName>
+                                        </p:attrNameLst>
+                                      </p:cBhvr>
+                                      <p:to>
+                                        <p:strVal val="visible"/>
+                                      </p:to>
+                                    </p:set>
+                                    <p:animEffect transition="in" filter="fade">
+                                      <p:cBhvr>
+                                        <p:cTn id="11" dur="500"/>
+                                        <p:tgtEl>
+                                          <p:spTgt spid="2">
+                                            <p:txEl>
+                                              <p:pRg st="1" end="1"/>
+                                            </p:txEl>
+                                          </p:spTgt>
+                                        </p:tgtEl>
+                                      </p:cBhvr>
+                                    </p:animEffect>
+                                  </p:childTnLst>
+                                </p:cTn>
+                              </p:par>
+                            </p:childTnLst>
+                          </p:cTn>
+                        </p:par>
+                        <p:par>
+                          <p:cTn id="12" fill="hold">
+                            <p:stCondLst>
+                              <p:cond delay="1250"/>
+                            </p:stCondLst>
+                            <p:childTnLst>
+                              <p:par>
+                                <p:cTn id="13" presetID="10" presetClass="entr" presetSubtype="0" fill="hold" nodeType="afterEffect">
+                                  <p:stCondLst>
+                                    <p:cond delay="0"/>
+                                  </p:stCondLst>
+                                  <p:childTnLst>
+                                    <p:set>
+                                      <p:cBhvr>
+                                        <p:cTn id="14" dur="1" fill="hold">
+                                          <p:stCondLst>
+                                            <p:cond delay="0"/>
+                                          </p:stCondLst>
+                                        </p:cTn>
+                                        <p:tgtEl>
+                                          <p:spTgt spid="2">
+                                            <p:txEl>
+                                              <p:pRg st="2" end="2"/>
+                                            </p:txEl>
+                                          </p:spTgt>
+                                        </p:tgtEl>
+                                        <p:attrNameLst>
+                                          <p:attrName>style.visibility</p:attrName>
+                                        </p:attrNameLst>
+                                      </p:cBhvr>
+                                      <p:to>
+                                        <p:strVal val="visible"/>
+                                      </p:to>
+                                    </p:set>
+                                    <p:animEffect transition="in" filter="fade">
+                                      <p:cBhvr>
+                                        <p:cTn id="15" dur="500"/>
+                                        <p:tgtEl>
+                                          <p:spTgt spid="2">
+                                            <p:txEl>
+                                              <p:pRg st="2" end="2"/>
+                                            </p:txEl>
+                                          </p:spTgt>
+                                        </p:tgtEl>
+                                      </p:cBhvr>
+                                    </p:animEffect>
+                                  </p:childTnLst>
+                                </p:cTn>
+                              </p:par>
+                            </p:childTnLst>
+                          </p:cTn>
+                        </p:par>
+                        <p:par>
+                          <p:cTn id="16" fill="hold">
+                            <p:stCondLst>
+                              <p:cond delay="1750"/>
+                            </p:stCondLst>
+                            <p:childTnLst>
+                              <p:par>
+                                <p:cTn id="17" presetID="10" presetClass="entr" presetSubtype="0" fill="hold" nodeType="afterEffect">
+                                  <p:stCondLst>
+                                    <p:cond delay="0"/>
+                                  </p:stCondLst>
+                                  <p:childTnLst>
+                                    <p:set>
+                                      <p:cBhvr>
+                                        <p:cTn id="18" dur="1" fill="hold">
+                                          <p:stCondLst>
+                                            <p:cond delay="0"/>
+                                          </p:stCondLst>
+                                        </p:cTn>
+                                        <p:tgtEl>
+                                          <p:spTgt spid="2">
+                                            <p:txEl>
+                                              <p:pRg st="3" end="3"/>
+                                            </p:txEl>
+                                          </p:spTgt>
+                                        </p:tgtEl>
+                                        <p:attrNameLst>
+                                          <p:attrName>style.visibility</p:attrName>
+                                        </p:attrNameLst>
+                                      </p:cBhvr>
+                                      <p:to>
+                                        <p:strVal val="visible"/>
+                                      </p:to>
+                                    </p:set>
+                                    <p:animEffect transition="in" filter="fade">
+                                      <p:cBhvr>
+                                        <p:cTn id="19" dur="500"/>
+                                        <p:tgtEl>
+                                          <p:spTgt spid="2">
+                                            <p:txEl>
+                                              <p:pRg st="3" end="3"/>
+                                            </p:txEl>
+                                          </p:spTgt>
+                                        </p:tgtEl>
+                                      </p:cBhvr>
+                                    </p:animEffect>
+                                  </p:childTnLst>
+                                </p:cTn>
+                              </p:par>
+                            </p:childTnLst>
+                          </p:cTn>
+                        </p:par>
+                        <p:par>
+                          <p:cTn id="20" fill="hold">
+                            <p:stCondLst>
+                              <p:cond delay="2250"/>
+                            </p:stCondLst>
+                            <p:childTnLst>
+                              <p:par>
+                                <p:cTn id="21" presetID="10" presetClass="entr" presetSubtype="0" fill="hold" nodeType="afterEffect">
+                                  <p:stCondLst>
+                                    <p:cond delay="0"/>
+                                  </p:stCondLst>
+                                  <p:childTnLst>
+                                    <p:set>
+                                      <p:cBhvr>
+                                        <p:cTn id="22" dur="1" fill="hold">
+                                          <p:stCondLst>
+                                            <p:cond delay="0"/>
+                                          </p:stCondLst>
+                                        </p:cTn>
+                                        <p:tgtEl>
+                                          <p:spTgt spid="2">
+                                            <p:txEl>
+                                              <p:pRg st="4" end="4"/>
+                                            </p:txEl>
+                                          </p:spTgt>
+                                        </p:tgtEl>
+                                        <p:attrNameLst>
+                                          <p:attrName>style.visibility</p:attrName>
+                                        </p:attrNameLst>
+                                      </p:cBhvr>
+                                      <p:to>
+                                        <p:strVal val="visible"/>
+                                      </p:to>
+                                    </p:set>
+                                    <p:animEffect transition="in" filter="fade">
+                                      <p:cBhvr>
+                                        <p:cTn id="23" dur="500"/>
+                                        <p:tgtEl>
+                                          <p:spTgt spid="2">
+                                            <p:txEl>
+                                              <p:pRg st="4" end="4"/>
+                                            </p:txEl>
+                                          </p:spTgt>
+                                        </p:tgtEl>
+                                      </p:cBhvr>
+                                    </p:animEffect>
+                                  </p:childTnLst>
+                                </p:cTn>
+                              </p:par>
+                            </p:childTnLst>
+                          </p:cTn>
+                        </p:par>
+                        <p:par>
+                          <p:cTn id="24" fill="hold">
+                            <p:stCondLst>
+                              <p:cond delay="2750"/>
+                            </p:stCondLst>
+                            <p:childTnLst>
+                              <p:par>
+                                <p:cTn id="25" presetID="10" presetClass="entr" presetSubtype="0" fill="hold" nodeType="afterEffect">
+                                  <p:stCondLst>
+                                    <p:cond delay="0"/>
+                                  </p:stCondLst>
+                                  <p:childTnLst>
+                                    <p:set>
+                                      <p:cBhvr>
+                                        <p:cTn id="26" dur="1" fill="hold">
+                                          <p:stCondLst>
+                                            <p:cond delay="0"/>
+                                          </p:stCondLst>
+                                        </p:cTn>
+                                        <p:tgtEl>
+                                          <p:spTgt spid="2">
+                                            <p:txEl>
+                                              <p:pRg st="5" end="5"/>
+                                            </p:txEl>
+                                          </p:spTgt>
+                                        </p:tgtEl>
+                                        <p:attrNameLst>
+                                          <p:attrName>style.visibility</p:attrName>
+                                        </p:attrNameLst>
+                                      </p:cBhvr>
+                                      <p:to>
+                                        <p:strVal val="visible"/>
+                                      </p:to>
+                                    </p:set>
+                                    <p:animEffect transition="in" filter="fade">
+                                      <p:cBhvr>
+                                        <p:cTn id="27" dur="500"/>
+                                        <p:tgtEl>
+                                          <p:spTgt spid="2">
+                                            <p:txEl>
+                                              <p:pRg st="5" end="5"/>
+                                            </p:txEl>
+                                          </p:spTgt>
+                                        </p:tgtEl>
+                                      </p:cBhvr>
+                                    </p:animEffect>
+                                  </p:childTnLst>
+                                </p:cTn>
+                              </p:par>
+                            </p:childTnLst>
+                          </p:cTn>
+                        </p:par>
+                        <p:par>
+                          <p:cTn id="28" fill="hold">
+                            <p:stCondLst>
+                              <p:cond delay="3250"/>
+                            </p:stCondLst>
+                            <p:childTnLst>
+                              <p:par>
+                                <p:cTn id="29" presetID="10" presetClass="entr" presetSubtype="0" fill="hold" nodeType="afterEffect">
+                                  <p:stCondLst>
+                                    <p:cond delay="0"/>
+                                  </p:stCondLst>
+                                  <p:childTnLst>
+                                    <p:set>
+                                      <p:cBhvr>
+                                        <p:cTn id="30" dur="1" fill="hold">
+                                          <p:stCondLst>
+                                            <p:cond delay="0"/>
+                                          </p:stCondLst>
+                                        </p:cTn>
+                                        <p:tgtEl>
+                                          <p:spTgt spid="2">
+                                            <p:txEl>
+                                              <p:pRg st="6" end="6"/>
+                                            </p:txEl>
+                                          </p:spTgt>
+                                        </p:tgtEl>
+                                        <p:attrNameLst>
+                                          <p:attrName>style.visibility</p:attrName>
+                                        </p:attrNameLst>
+                                      </p:cBhvr>
+                                      <p:to>
+                                        <p:strVal val="visible"/>
+                                      </p:to>
+                                    </p:set>
+                                    <p:animEffect transition="in" filter="fade">
+                                      <p:cBhvr>
+                                        <p:cTn id="31" dur="500"/>
+                                        <p:tgtEl>
+                                          <p:spTgt spid="2">
+                                            <p:txEl>
+                                              <p:pRg st="6" end="6"/>
+                                            </p:txEl>
+                                          </p:spTgt>
+                                        </p:tgtEl>
+                                      </p:cBhvr>
+                                    </p:animEffect>
+                                  </p:childTnLst>
+                                </p:cTn>
+                              </p:par>
+                            </p:childTnLst>
+                          </p:cTn>
+                        </p:par>
+                      </p:childTnLst>
+                    </p:cTn>
+                  </p:par>
+                </p:childTnLst>
+              </p:cTn>
+              <p:prevCondLst>
+                <p:cond evt="onPrev" delay="0">
+                  <p:tgtEl>
+                    <p:sldTgt/>
+                  </p:tgtEl>
+                </p:cond>
+              </p:prevCondLst>
+              <p:nextCondLst>
+                <p:cond evt="onNext" delay="0">
+                  <p:tgtEl>
+                    <p:sldTgt/>
+                  </p:tgtEl>
+                </p:cond>
+              </p:nextCondLst>
+            </p:seq>
+          </p:childTnLst>
+        </p:cTn>
+      </p:par>
+    </p:tnLst>
+  </p:timing>
+</p:sld>
+</file>
+
 <file path=ppt/slides/slide2.xml><?xml version="1.0" encoding="utf-8"?>
+<p:sld xmlns:a="http://schemas.openxmlformats.org/drawingml/2006/main" xmlns:r="http://schemas.openxmlformats.org/officeDocument/2006/relationships" xmlns:p="http://schemas.openxmlformats.org/presentationml/2006/main">
+  <p:cSld>
+    <p:spTree>
+      <p:nvGrpSpPr>
+        <p:cNvPr id="1" name=""/>
+        <p:cNvGrpSpPr/>
+        <p:nvPr/>
+      </p:nvGrpSpPr>
+      <p:grpSpPr>
+        <a:xfrm>
+          <a:off x="0" y="0"/>
+          <a:ext cx="0" cy="0"/>
+          <a:chOff x="0" y="0"/>
+          <a:chExt cx="0" cy="0"/>
+        </a:xfrm>
+      </p:grpSpPr>
+      <p:sp>
+        <p:nvSpPr>
+          <p:cNvPr id="2" name="TextBox 1"/>
+          <p:cNvSpPr txBox="1"/>
+          <p:nvPr/>
+        </p:nvSpPr>
+        <p:spPr>
+          <a:xfrm>
+            <a:off x="4614333" y="431800"/>
+            <a:ext cx="4986867" cy="707886"/>
+          </a:xfrm>
+          <a:prstGeom prst="rect">
+            <a:avLst/>
+          </a:prstGeom>
+          <a:noFill/>
+        </p:spPr>
+        <p:txBody>
+          <a:bodyPr wrap="square" rtlCol="0">
+            <a:spAutoFit/>
+          </a:bodyPr>
+          <a:lstStyle/>
+          <a:p>
+            <a:r>
+              <a:rPr lang="uk-UA" sz="4000" dirty="0" smtClean="0"/>
+              <a:t>Функціонал</a:t>
+            </a:r>
+            <a:endParaRPr lang="uk-UA" sz="4000" dirty="0"/>
+          </a:p>
+        </p:txBody>
+      </p:sp>
+      <p:sp>
+        <p:nvSpPr>
+          <p:cNvPr id="3" name="TextBox 2"/>
+          <p:cNvSpPr txBox="1"/>
+          <p:nvPr/>
+        </p:nvSpPr>
+        <p:spPr>
+          <a:xfrm flipH="1">
+            <a:off x="1501986" y="2057400"/>
+            <a:ext cx="4187614" cy="369332"/>
+          </a:xfrm>
+          <a:prstGeom prst="rect">
+            <a:avLst/>
+          </a:prstGeom>
+          <a:noFill/>
+        </p:spPr>
+        <p:txBody>
+          <a:bodyPr wrap="square" rtlCol="0">
+            <a:spAutoFit/>
+          </a:bodyPr>
+          <a:lstStyle/>
+          <a:p>
+            <a:endParaRPr lang="uk-UA" dirty="0"/>
+          </a:p>
+        </p:txBody>
+      </p:sp>
+      <p:graphicFrame>
+        <p:nvGraphicFramePr>
+          <p:cNvPr id="5" name="Таблица 4"/>
+          <p:cNvGraphicFramePr>
+            <a:graphicFrameLocks noGrp="1"/>
+          </p:cNvGraphicFramePr>
+          <p:nvPr>
+            <p:extLst>
+              <p:ext uri="{D42A27DB-BD31-4B8C-83A1-F6EECF244321}">
+                <p14:modId xmlns:p14="http://schemas.microsoft.com/office/powerpoint/2010/main" val="1607734957"/>
+              </p:ext>
+            </p:extLst>
+          </p:nvPr>
+        </p:nvGraphicFramePr>
+        <p:xfrm>
+          <a:off x="635000" y="1312330"/>
+          <a:ext cx="5054600" cy="4546602"/>
+        </p:xfrm>
+        <a:graphic>
+          <a:graphicData uri="http://schemas.openxmlformats.org/drawingml/2006/table">
+            <a:tbl>
+              <a:tblPr firstRow="1" bandRow="1">
+                <a:tableStyleId>{5C22544A-7EE6-4342-B048-85BDC9FD1C3A}</a:tableStyleId>
+              </a:tblPr>
+              <a:tblGrid>
+                <a:gridCol w="5054600"/>
+              </a:tblGrid>
+              <a:tr h="757767">
+                <a:tc>
+                  <a:txBody>
+                    <a:bodyPr/>
+                    <a:lstStyle/>
+                    <a:p>
+                      <a:pPr algn="ctr"/>
+                      <a:r>
+                        <a:rPr lang="uk-UA" sz="2800" dirty="0" smtClean="0"/>
+                        <a:t>КАТЕГОРІЇ</a:t>
+                      </a:r>
+                      <a:endParaRPr lang="uk-UA" sz="2800" dirty="0"/>
+                    </a:p>
+                  </a:txBody>
+                  <a:tcPr anchor="ctr"/>
+                </a:tc>
+              </a:tr>
+              <a:tr h="757767">
+                <a:tc>
+                  <a:txBody>
+                    <a:bodyPr/>
+                    <a:lstStyle/>
+                    <a:p>
+                      <a:pPr algn="ctr"/>
+                      <a:r>
+                        <a:rPr lang="uk-UA" dirty="0" smtClean="0"/>
+                        <a:t>Тривожна валіза</a:t>
+                      </a:r>
+                      <a:endParaRPr lang="uk-UA" dirty="0"/>
+                    </a:p>
+                  </a:txBody>
+                  <a:tcPr anchor="ctr"/>
+                </a:tc>
+              </a:tr>
+              <a:tr h="757767">
+                <a:tc>
+                  <a:txBody>
+                    <a:bodyPr/>
+                    <a:lstStyle/>
+                    <a:p>
+                      <a:pPr algn="ctr"/>
+                      <a:r>
+                        <a:rPr lang="uk-UA" dirty="0" smtClean="0"/>
+                        <a:t>Види</a:t>
+                      </a:r>
+                      <a:r>
+                        <a:rPr lang="uk-UA" baseline="0" dirty="0" smtClean="0"/>
+                        <a:t> повітряних </a:t>
+                      </a:r>
+                      <a:r>
+                        <a:rPr lang="uk-UA" baseline="0" dirty="0" err="1" smtClean="0"/>
+                        <a:t>тривог</a:t>
+                      </a:r>
+                      <a:endParaRPr lang="uk-UA" dirty="0"/>
+                    </a:p>
+                  </a:txBody>
+                  <a:tcPr anchor="ctr"/>
+                </a:tc>
+              </a:tr>
+              <a:tr h="757767">
+                <a:tc>
+                  <a:txBody>
+                    <a:bodyPr/>
+                    <a:lstStyle/>
+                    <a:p>
+                      <a:pPr algn="ctr"/>
+                      <a:r>
+                        <a:rPr lang="uk-UA" dirty="0" smtClean="0"/>
+                        <a:t>Звуки</a:t>
+                      </a:r>
+                      <a:r>
+                        <a:rPr lang="uk-UA" baseline="0" dirty="0" smtClean="0"/>
+                        <a:t> небезпечної повітряної техніки</a:t>
+                      </a:r>
+                      <a:endParaRPr lang="uk-UA" dirty="0"/>
+                    </a:p>
+                  </a:txBody>
+                  <a:tcPr anchor="ctr"/>
+                </a:tc>
+              </a:tr>
+              <a:tr h="757767">
+                <a:tc>
+                  <a:txBody>
+                    <a:bodyPr/>
+                    <a:lstStyle/>
+                    <a:p>
+                      <a:pPr marL="0" marR="0" lvl="0" indent="0" algn="ctr" defTabSz="914400" rtl="0" eaLnBrk="1" fontAlgn="auto" latinLnBrk="0" hangingPunct="1">
+                        <a:lnSpc>
+                          <a:spcPct val="100000"/>
+                        </a:lnSpc>
+                        <a:spcBef>
+                          <a:spcPts val="0"/>
+                        </a:spcBef>
+                        <a:spcAft>
+                          <a:spcPts val="0"/>
+                        </a:spcAft>
+                        <a:buClrTx/>
+                        <a:buSzTx/>
+                        <a:buFontTx/>
+                        <a:buNone/>
+                        <a:tabLst/>
+                        <a:defRPr/>
+                      </a:pPr>
+                      <a:r>
+                        <a:rPr lang="uk-UA" sz="1800" kern="1200" dirty="0" smtClean="0">
+                          <a:solidFill>
+                            <a:schemeClr val="dk1"/>
+                          </a:solidFill>
+                          <a:effectLst/>
+                          <a:latin typeface="+mn-lt"/>
+                          <a:ea typeface="+mn-ea"/>
+                          <a:cs typeface="+mn-cs"/>
+                        </a:rPr>
+                        <a:t>Перша медична допомога при різних пораненнях</a:t>
+                      </a:r>
+                    </a:p>
+                  </a:txBody>
+                  <a:tcPr anchor="ctr"/>
+                </a:tc>
+              </a:tr>
+              <a:tr h="757767">
+                <a:tc>
+                  <a:txBody>
+                    <a:bodyPr/>
+                    <a:lstStyle/>
+                    <a:p>
+                      <a:pPr lvl="0" algn="ctr"/>
+                      <a:r>
+                        <a:rPr lang="uk-UA" sz="1800" kern="1200" dirty="0" smtClean="0">
+                          <a:solidFill>
+                            <a:schemeClr val="dk1"/>
+                          </a:solidFill>
+                          <a:effectLst/>
+                          <a:latin typeface="+mn-lt"/>
+                          <a:ea typeface="+mn-ea"/>
+                          <a:cs typeface="+mn-cs"/>
+                        </a:rPr>
+                        <a:t>Телефонна книга з номерами екстрених номерів</a:t>
+                      </a:r>
+                      <a:endParaRPr lang="uk-UA" sz="1800" kern="1200" dirty="0">
+                        <a:solidFill>
+                          <a:schemeClr val="dk1"/>
+                        </a:solidFill>
+                        <a:effectLst/>
+                        <a:latin typeface="+mn-lt"/>
+                        <a:ea typeface="+mn-ea"/>
+                        <a:cs typeface="+mn-cs"/>
+                      </a:endParaRPr>
+                    </a:p>
+                  </a:txBody>
+                  <a:tcPr anchor="ctr"/>
+                </a:tc>
+              </a:tr>
+            </a:tbl>
+          </a:graphicData>
+        </a:graphic>
+      </p:graphicFrame>
+      <p:sp>
+        <p:nvSpPr>
+          <p:cNvPr id="6" name="TextBox 5"/>
+          <p:cNvSpPr txBox="1"/>
+          <p:nvPr/>
+        </p:nvSpPr>
+        <p:spPr>
+          <a:xfrm>
+            <a:off x="6752166" y="1846693"/>
+            <a:ext cx="4326466" cy="3477875"/>
+          </a:xfrm>
+          <a:prstGeom prst="rect">
+            <a:avLst/>
+          </a:prstGeom>
+          <a:noFill/>
+        </p:spPr>
+        <p:txBody>
+          <a:bodyPr wrap="square" rtlCol="0">
+            <a:spAutoFit/>
+          </a:bodyPr>
+          <a:lstStyle/>
+          <a:p>
+            <a:r>
+              <a:rPr lang="uk-UA" sz="2000" dirty="0" smtClean="0"/>
+              <a:t>Користувач матиме можливість</a:t>
+            </a:r>
+            <a:r>
+              <a:rPr lang="en-US" sz="2000" dirty="0" smtClean="0"/>
+              <a:t>:</a:t>
+            </a:r>
+            <a:endParaRPr lang="uk-UA" sz="2000" dirty="0" smtClean="0"/>
+          </a:p>
+          <a:p>
+            <a:endParaRPr lang="en-US" sz="2000" dirty="0" smtClean="0"/>
+          </a:p>
+          <a:p>
+            <a:pPr marL="285750" indent="-285750">
+              <a:buFont typeface="Arial" panose="020B0604020202020204" pitchFamily="34" charset="0"/>
+              <a:buChar char="•"/>
+            </a:pPr>
+            <a:r>
+              <a:rPr lang="uk-UA" sz="2000" dirty="0" smtClean="0"/>
+              <a:t>Увійти у систему за допомогою паролю</a:t>
+            </a:r>
+          </a:p>
+          <a:p>
+            <a:pPr marL="285750" indent="-285750">
+              <a:buFont typeface="Arial" panose="020B0604020202020204" pitchFamily="34" charset="0"/>
+              <a:buChar char="•"/>
+            </a:pPr>
+            <a:r>
+              <a:rPr lang="uk-UA" sz="2000" dirty="0" smtClean="0"/>
+              <a:t>Користуватися застосунком українською та англійською мовами</a:t>
+            </a:r>
+          </a:p>
+          <a:p>
+            <a:pPr marL="285750" indent="-285750">
+              <a:buFont typeface="Arial" panose="020B0604020202020204" pitchFamily="34" charset="0"/>
+              <a:buChar char="•"/>
+            </a:pPr>
+            <a:r>
+              <a:rPr lang="uk-UA" sz="2000" dirty="0" smtClean="0"/>
+              <a:t>Отримати необхідну інформацію за допомогою аудіо-записів</a:t>
+            </a:r>
+          </a:p>
+          <a:p>
+            <a:pPr marL="285750" indent="-285750">
+              <a:buFont typeface="Arial" panose="020B0604020202020204" pitchFamily="34" charset="0"/>
+              <a:buChar char="•"/>
+            </a:pPr>
+            <a:r>
+              <a:rPr lang="uk-UA" sz="2000" dirty="0" smtClean="0"/>
+              <a:t>Перейти на статті за допомогою посилань</a:t>
+            </a:r>
+            <a:endParaRPr lang="uk-UA" sz="2000" dirty="0"/>
+          </a:p>
+        </p:txBody>
+      </p:sp>
+    </p:spTree>
+    <p:extLst>
+      <p:ext uri="{BB962C8B-B14F-4D97-AF65-F5344CB8AC3E}">
+        <p14:creationId xmlns:p14="http://schemas.microsoft.com/office/powerpoint/2010/main" val="1711833286"/>
+      </p:ext>
+    </p:extLst>
+  </p:cSld>
+  <p:clrMapOvr>
+    <a:masterClrMapping/>
+  </p:clrMapOvr>
+  <mc:AlternateContent xmlns:mc="http://schemas.openxmlformats.org/markup-compatibility/2006" xmlns:p14="http://schemas.microsoft.com/office/powerpoint/2010/main">
+    <mc:Choice Requires="p14">
+      <p:transition spd="med" p14:dur="700">
+        <p:fade/>
+      </p:transition>
+    </mc:Choice>
+    <mc:Fallback xmlns="">
+      <p:transition spd="med">
+        <p:fade/>
+      </p:transition>
+    </mc:Fallback>
+  </mc:AlternateContent>
+</p:sld>
+</file>
+
+<file path=ppt/slides/slide3.xml><?xml version="1.0" encoding="utf-8"?>
+<p:sld xmlns:a="http://schemas.openxmlformats.org/drawingml/2006/main" xmlns:r="http://schemas.openxmlformats.org/officeDocument/2006/relationships" xmlns:p="http://schemas.openxmlformats.org/presentationml/2006/main">
+  <p:cSld>
+    <p:spTree>
+      <p:nvGrpSpPr>
+        <p:cNvPr id="1" name=""/>
+        <p:cNvGrpSpPr/>
+        <p:nvPr/>
+      </p:nvGrpSpPr>
+      <p:grpSpPr>
+        <a:xfrm>
+          <a:off x="0" y="0"/>
+          <a:ext cx="0" cy="0"/>
+          <a:chOff x="0" y="0"/>
+          <a:chExt cx="0" cy="0"/>
+        </a:xfrm>
+      </p:grpSpPr>
+      <p:sp>
+        <p:nvSpPr>
+          <p:cNvPr id="2" name="TextBox 1"/>
+          <p:cNvSpPr txBox="1"/>
+          <p:nvPr/>
+        </p:nvSpPr>
+        <p:spPr>
+          <a:xfrm>
+            <a:off x="4699000" y="711201"/>
+            <a:ext cx="3843866" cy="523220"/>
+          </a:xfrm>
+          <a:prstGeom prst="rect">
+            <a:avLst/>
+          </a:prstGeom>
+          <a:noFill/>
+        </p:spPr>
+        <p:txBody>
+          <a:bodyPr wrap="square" rtlCol="0">
+            <a:spAutoFit/>
+          </a:bodyPr>
+          <a:lstStyle/>
+          <a:p>
+            <a:r>
+              <a:rPr lang="uk-UA" sz="2800" dirty="0" smtClean="0"/>
+              <a:t>Типи користувачів</a:t>
+            </a:r>
+            <a:endParaRPr lang="uk-UA" sz="2800" dirty="0"/>
+          </a:p>
+        </p:txBody>
+      </p:sp>
+      <p:graphicFrame>
+        <p:nvGraphicFramePr>
+          <p:cNvPr id="3" name="Таблица 2"/>
+          <p:cNvGraphicFramePr>
+            <a:graphicFrameLocks noGrp="1"/>
+          </p:cNvGraphicFramePr>
+          <p:nvPr>
+            <p:extLst>
+              <p:ext uri="{D42A27DB-BD31-4B8C-83A1-F6EECF244321}">
+                <p14:modId xmlns:p14="http://schemas.microsoft.com/office/powerpoint/2010/main" val="3660401944"/>
+              </p:ext>
+            </p:extLst>
+          </p:nvPr>
+        </p:nvGraphicFramePr>
+        <p:xfrm>
+          <a:off x="1761066" y="2285998"/>
+          <a:ext cx="9127068" cy="2651760"/>
+        </p:xfrm>
+        <a:graphic>
+          <a:graphicData uri="http://schemas.openxmlformats.org/drawingml/2006/table">
+            <a:tbl>
+              <a:tblPr firstRow="1" bandRow="1">
+                <a:tableStyleId>{5C22544A-7EE6-4342-B048-85BDC9FD1C3A}</a:tableStyleId>
+              </a:tblPr>
+              <a:tblGrid>
+                <a:gridCol w="4563534"/>
+                <a:gridCol w="4563534"/>
+              </a:tblGrid>
+              <a:tr h="869245">
+                <a:tc>
+                  <a:txBody>
+                    <a:bodyPr/>
+                    <a:lstStyle/>
+                    <a:p>
+                      <a:pPr algn="ctr"/>
+                      <a:r>
+                        <a:rPr lang="uk-UA" dirty="0" smtClean="0"/>
+                        <a:t>Адміністратор</a:t>
+                      </a:r>
+                      <a:endParaRPr lang="uk-UA" dirty="0"/>
+                    </a:p>
+                  </a:txBody>
+                  <a:tcPr anchor="ctr"/>
+                </a:tc>
+                <a:tc>
+                  <a:txBody>
+                    <a:bodyPr/>
+                    <a:lstStyle/>
+                    <a:p>
+                      <a:pPr algn="ctr"/>
+                      <a:r>
+                        <a:rPr lang="uk-UA" dirty="0" smtClean="0"/>
+                        <a:t>Додає статті, видаляє їх та редагує.</a:t>
+                      </a:r>
+                      <a:r>
+                        <a:rPr lang="uk-UA" baseline="0" dirty="0" smtClean="0"/>
+                        <a:t> Переглядає </a:t>
+                      </a:r>
+                      <a:r>
+                        <a:rPr lang="uk-UA" baseline="0" dirty="0" smtClean="0"/>
+                        <a:t>списки </a:t>
+                      </a:r>
+                      <a:r>
+                        <a:rPr lang="uk-UA" baseline="0" dirty="0" smtClean="0"/>
+                        <a:t>усіх користувачів</a:t>
+                      </a:r>
+                      <a:r>
+                        <a:rPr lang="uk-UA" baseline="0" dirty="0" smtClean="0"/>
+                        <a:t>.</a:t>
+                      </a:r>
+                    </a:p>
+                    <a:p>
+                      <a:pPr algn="ctr"/>
+                      <a:r>
+                        <a:rPr lang="uk-UA" baseline="0" dirty="0" smtClean="0"/>
+                        <a:t>Додає, редагує та видаляє категорії.</a:t>
+                      </a:r>
+                    </a:p>
+                    <a:p>
+                      <a:pPr algn="ctr"/>
+                      <a:r>
+                        <a:rPr lang="uk-UA" baseline="0" dirty="0" smtClean="0"/>
+                        <a:t>Переглядає профілі користувачів.</a:t>
+                      </a:r>
+                    </a:p>
+                  </a:txBody>
+                  <a:tcPr/>
+                </a:tc>
+              </a:tr>
+              <a:tr h="869245">
+                <a:tc>
+                  <a:txBody>
+                    <a:bodyPr/>
+                    <a:lstStyle/>
+                    <a:p>
+                      <a:pPr algn="ctr"/>
+                      <a:r>
+                        <a:rPr lang="uk-UA" dirty="0" smtClean="0"/>
+                        <a:t>Користувач</a:t>
+                      </a:r>
+                      <a:endParaRPr lang="uk-UA" dirty="0"/>
+                    </a:p>
+                  </a:txBody>
+                  <a:tcPr anchor="ctr"/>
+                </a:tc>
+                <a:tc>
+                  <a:txBody>
+                    <a:bodyPr/>
+                    <a:lstStyle/>
+                    <a:p>
+                      <a:pPr algn="ctr"/>
+                      <a:r>
+                        <a:rPr lang="uk-UA" dirty="0" smtClean="0"/>
+                        <a:t>Може</a:t>
+                      </a:r>
+                      <a:r>
+                        <a:rPr lang="uk-UA" baseline="0" dirty="0" smtClean="0"/>
+                        <a:t> переглядати свій профіль та читає статті, змінює мову </a:t>
+                      </a:r>
+                      <a:r>
+                        <a:rPr lang="uk-UA" baseline="0" dirty="0" smtClean="0"/>
+                        <a:t>інтерфейсу.</a:t>
+                      </a:r>
+                    </a:p>
+                    <a:p>
+                      <a:pPr algn="ctr"/>
+                      <a:r>
+                        <a:rPr lang="uk-UA" baseline="0" dirty="0" smtClean="0"/>
+                        <a:t>Зберігає та ставить лайки на статті.</a:t>
+                      </a:r>
+                    </a:p>
+                    <a:p>
+                      <a:pPr algn="ctr"/>
+                      <a:r>
+                        <a:rPr lang="uk-UA" baseline="0" dirty="0" smtClean="0"/>
+                        <a:t>Переглядає списки вподобаних та збережених статей.</a:t>
+                      </a:r>
+                      <a:endParaRPr lang="uk-UA" dirty="0"/>
+                    </a:p>
+                  </a:txBody>
+                  <a:tcPr/>
+                </a:tc>
+              </a:tr>
+            </a:tbl>
+          </a:graphicData>
+        </a:graphic>
+      </p:graphicFrame>
+    </p:spTree>
+    <p:extLst>
+      <p:ext uri="{BB962C8B-B14F-4D97-AF65-F5344CB8AC3E}">
+        <p14:creationId xmlns:p14="http://schemas.microsoft.com/office/powerpoint/2010/main" val="352791327"/>
+      </p:ext>
+    </p:extLst>
+  </p:cSld>
+  <p:clrMapOvr>
+    <a:masterClrMapping/>
+  </p:clrMapOvr>
+  <mc:AlternateContent xmlns:mc="http://schemas.openxmlformats.org/markup-compatibility/2006" xmlns:p14="http://schemas.microsoft.com/office/powerpoint/2010/main">
+    <mc:Choice Requires="p14">
+      <p:transition spd="med" p14:dur="700">
+        <p:fade/>
+      </p:transition>
+    </mc:Choice>
+    <mc:Fallback xmlns="">
+      <p:transition spd="med">
+        <p:fade/>
+      </p:transition>
+    </mc:Fallback>
+  </mc:AlternateContent>
+</p:sld>
+</file>
+
+<file path=ppt/slides/slide4.xml><?xml version="1.0" encoding="utf-8"?>
 <p:sld xmlns:a="http://schemas.openxmlformats.org/drawingml/2006/main" xmlns:r="http://schemas.openxmlformats.org/officeDocument/2006/relationships" xmlns:p="http://schemas.openxmlformats.org/presentationml/2006/main">
   <p:cSld>
     <p:spTree>
@@ -16532,7 +16825,7 @@
             <a:pPr algn="ctr"/>
             <a:r>
               <a:rPr lang="uk-UA" sz="2800" b="1" dirty="0" smtClean="0"/>
-              <a:t>Ціль аплікації</a:t>
+              <a:t>Ціль застосунку</a:t>
             </a:r>
             <a:r>
               <a:rPr lang="en-US" sz="2800" b="1" dirty="0" smtClean="0"/>
@@ -16626,13 +16919,13 @@
   <p:clrMapOvr>
     <a:masterClrMapping/>
   </p:clrMapOvr>
-  <mc:AlternateContent xmlns:mc="http://schemas.openxmlformats.org/markup-compatibility/2006">
-    <mc:Choice xmlns:p14="http://schemas.microsoft.com/office/powerpoint/2010/main" Requires="p14">
+  <mc:AlternateContent xmlns:mc="http://schemas.openxmlformats.org/markup-compatibility/2006" xmlns:p14="http://schemas.microsoft.com/office/powerpoint/2010/main">
+    <mc:Choice Requires="p14">
       <p:transition spd="med" p14:dur="700">
         <p:fade/>
       </p:transition>
     </mc:Choice>
-    <mc:Fallback>
+    <mc:Fallback xmlns="">
       <p:transition spd="med">
         <p:fade/>
       </p:transition>
@@ -17213,7 +17506,7 @@
 </p:sld>
 </file>
 
-<file path=ppt/slides/slide3.xml><?xml version="1.0" encoding="utf-8"?>
+<file path=ppt/slides/slide5.xml><?xml version="1.0" encoding="utf-8"?>
 <p:sld xmlns:a="http://schemas.openxmlformats.org/drawingml/2006/main" xmlns:r="http://schemas.openxmlformats.org/officeDocument/2006/relationships" xmlns:p="http://schemas.openxmlformats.org/presentationml/2006/main">
   <p:cSld>
     <p:spTree>
@@ -17414,13 +17707,13 @@
   <p:clrMapOvr>
     <a:masterClrMapping/>
   </p:clrMapOvr>
-  <mc:AlternateContent xmlns:mc="http://schemas.openxmlformats.org/markup-compatibility/2006">
-    <mc:Choice xmlns:p14="http://schemas.microsoft.com/office/powerpoint/2010/main" Requires="p14">
+  <mc:AlternateContent xmlns:mc="http://schemas.openxmlformats.org/markup-compatibility/2006" xmlns:p14="http://schemas.microsoft.com/office/powerpoint/2010/main">
+    <mc:Choice Requires="p14">
       <p:transition spd="med" p14:dur="700">
         <p:fade/>
       </p:transition>
     </mc:Choice>
-    <mc:Fallback>
+    <mc:Fallback xmlns="">
       <p:transition spd="med">
         <p:fade/>
       </p:transition>
@@ -17829,7 +18122,7 @@
 </p:sld>
 </file>
 
-<file path=ppt/slides/slide4.xml><?xml version="1.0" encoding="utf-8"?>
+<file path=ppt/slides/slide6.xml><?xml version="1.0" encoding="utf-8"?>
 <p:sld xmlns:a="http://schemas.openxmlformats.org/drawingml/2006/main" xmlns:r="http://schemas.openxmlformats.org/officeDocument/2006/relationships" xmlns:p="http://schemas.openxmlformats.org/presentationml/2006/main">
   <p:cSld>
     <p:spTree>
@@ -17995,13 +18288,13 @@
   <p:clrMapOvr>
     <a:masterClrMapping/>
   </p:clrMapOvr>
-  <mc:AlternateContent xmlns:mc="http://schemas.openxmlformats.org/markup-compatibility/2006">
-    <mc:Choice xmlns:p14="http://schemas.microsoft.com/office/powerpoint/2010/main" Requires="p14">
+  <mc:AlternateContent xmlns:mc="http://schemas.openxmlformats.org/markup-compatibility/2006" xmlns:p14="http://schemas.microsoft.com/office/powerpoint/2010/main">
+    <mc:Choice Requires="p14">
       <p:transition spd="med" p14:dur="700">
         <p:fade/>
       </p:transition>
     </mc:Choice>
-    <mc:Fallback>
+    <mc:Fallback xmlns="">
       <p:transition spd="med">
         <p:fade/>
       </p:transition>
@@ -18362,7 +18655,7 @@
 </p:sld>
 </file>
 
-<file path=ppt/slides/slide5.xml><?xml version="1.0" encoding="utf-8"?>
+<file path=ppt/slides/slide7.xml><?xml version="1.0" encoding="utf-8"?>
 <p:sld xmlns:a="http://schemas.openxmlformats.org/drawingml/2006/main" xmlns:r="http://schemas.openxmlformats.org/officeDocument/2006/relationships" xmlns:p="http://schemas.openxmlformats.org/presentationml/2006/main">
   <p:cSld>
     <p:spTree>
@@ -18403,7 +18696,7 @@
           <a:p>
             <a:r>
               <a:rPr lang="uk-UA" dirty="0" smtClean="0"/>
-              <a:t>Ідентичних аплікацій на ринку поки що не існує, але є один застосунок, який може вирішувати схожі проблеми(доступний для </a:t>
+              <a:t>Ідентичних додатків на ринку поки що не існує, але є один застосунок, який може вирішувати схожі проблеми(доступний для </a:t>
             </a:r>
             <a:r>
               <a:rPr lang="en-US" dirty="0" smtClean="0"/>
@@ -18535,13 +18828,13 @@
   <p:clrMapOvr>
     <a:masterClrMapping/>
   </p:clrMapOvr>
-  <mc:AlternateContent xmlns:mc="http://schemas.openxmlformats.org/markup-compatibility/2006">
-    <mc:Choice xmlns:p14="http://schemas.microsoft.com/office/powerpoint/2010/main" Requires="p14">
+  <mc:AlternateContent xmlns:mc="http://schemas.openxmlformats.org/markup-compatibility/2006" xmlns:p14="http://schemas.microsoft.com/office/powerpoint/2010/main">
+    <mc:Choice Requires="p14">
       <p:transition spd="med" p14:dur="700">
         <p:fade/>
       </p:transition>
     </mc:Choice>
-    <mc:Fallback>
+    <mc:Fallback xmlns="">
       <p:transition spd="med">
         <p:fade/>
       </p:transition>
@@ -18557,7 +18850,7 @@
 </p:sld>
 </file>
 
-<file path=ppt/slides/slide6.xml><?xml version="1.0" encoding="utf-8"?>
+<file path=ppt/slides/slide8.xml><?xml version="1.0" encoding="utf-8"?>
 <p:sld xmlns:a="http://schemas.openxmlformats.org/drawingml/2006/main" xmlns:r="http://schemas.openxmlformats.org/officeDocument/2006/relationships" xmlns:p="http://schemas.openxmlformats.org/presentationml/2006/main">
   <p:cSld>
     <p:spTree>
@@ -18704,13 +18997,13 @@
   <p:clrMapOvr>
     <a:masterClrMapping/>
   </p:clrMapOvr>
-  <mc:AlternateContent xmlns:mc="http://schemas.openxmlformats.org/markup-compatibility/2006">
-    <mc:Choice xmlns:p14="http://schemas.microsoft.com/office/powerpoint/2010/main" Requires="p14">
+  <mc:AlternateContent xmlns:mc="http://schemas.openxmlformats.org/markup-compatibility/2006" xmlns:p14="http://schemas.microsoft.com/office/powerpoint/2010/main">
+    <mc:Choice Requires="p14">
       <p:transition spd="med" p14:dur="700">
         <p:fade/>
       </p:transition>
     </mc:Choice>
-    <mc:Fallback>
+    <mc:Fallback xmlns="">
       <p:transition spd="med">
         <p:fade/>
       </p:transition>
@@ -18726,7 +19019,7 @@
 </p:sld>
 </file>
 
-<file path=ppt/slides/slide7.xml><?xml version="1.0" encoding="utf-8"?>
+<file path=ppt/slides/slide9.xml><?xml version="1.0" encoding="utf-8"?>
 <p:sld xmlns:a="http://schemas.openxmlformats.org/drawingml/2006/main" xmlns:r="http://schemas.openxmlformats.org/officeDocument/2006/relationships" xmlns:p="http://schemas.openxmlformats.org/presentationml/2006/main">
   <p:cSld>
     <p:spTree>
@@ -18880,13 +19173,13 @@
   <p:clrMapOvr>
     <a:masterClrMapping/>
   </p:clrMapOvr>
-  <mc:AlternateContent xmlns:mc="http://schemas.openxmlformats.org/markup-compatibility/2006">
-    <mc:Choice xmlns:p14="http://schemas.microsoft.com/office/powerpoint/2010/main" Requires="p14">
+  <mc:AlternateContent xmlns:mc="http://schemas.openxmlformats.org/markup-compatibility/2006" xmlns:p14="http://schemas.microsoft.com/office/powerpoint/2010/main">
+    <mc:Choice Requires="p14">
       <p:transition spd="med" p14:dur="700">
         <p:fade/>
       </p:transition>
     </mc:Choice>
-    <mc:Fallback>
+    <mc:Fallback xmlns="">
       <p:transition spd="med">
         <p:fade/>
       </p:transition>
@@ -19501,580 +19794,6 @@
 </p:sld>
 </file>
 
-<file path=ppt/slides/slide8.xml><?xml version="1.0" encoding="utf-8"?>
-<p:sld xmlns:a="http://schemas.openxmlformats.org/drawingml/2006/main" xmlns:r="http://schemas.openxmlformats.org/officeDocument/2006/relationships" xmlns:p="http://schemas.openxmlformats.org/presentationml/2006/main">
-  <p:cSld>
-    <p:spTree>
-      <p:nvGrpSpPr>
-        <p:cNvPr id="1" name=""/>
-        <p:cNvGrpSpPr/>
-        <p:nvPr/>
-      </p:nvGrpSpPr>
-      <p:grpSpPr>
-        <a:xfrm>
-          <a:off x="0" y="0"/>
-          <a:ext cx="0" cy="0"/>
-          <a:chOff x="0" y="0"/>
-          <a:chExt cx="0" cy="0"/>
-        </a:xfrm>
-      </p:grpSpPr>
-      <p:sp>
-        <p:nvSpPr>
-          <p:cNvPr id="2" name="TextBox 1"/>
-          <p:cNvSpPr txBox="1"/>
-          <p:nvPr/>
-        </p:nvSpPr>
-        <p:spPr>
-          <a:xfrm flipH="1">
-            <a:off x="6480385" y="635001"/>
-            <a:ext cx="5711615" cy="5693866"/>
-          </a:xfrm>
-          <a:prstGeom prst="rect">
-            <a:avLst/>
-          </a:prstGeom>
-          <a:noFill/>
-        </p:spPr>
-        <p:txBody>
-          <a:bodyPr wrap="square" rtlCol="0">
-            <a:spAutoFit/>
-          </a:bodyPr>
-          <a:lstStyle/>
-          <a:p>
-            <a:r>
-              <a:rPr lang="uk-UA" sz="2800" b="1" dirty="0" smtClean="0"/>
-              <a:t>Основний функціонал даного застосунку</a:t>
-            </a:r>
-            <a:r>
-              <a:rPr lang="en-US" sz="2800" b="1" dirty="0" smtClean="0"/>
-              <a:t>:</a:t>
-            </a:r>
-          </a:p>
-          <a:p>
-            <a:pPr marL="457200" indent="-457200">
-              <a:buFont typeface="Wingdings" panose="05000000000000000000" pitchFamily="2" charset="2"/>
-              <a:buChar char="§"/>
-            </a:pPr>
-            <a:r>
-              <a:rPr lang="uk-UA" sz="2800" dirty="0" smtClean="0"/>
-              <a:t>Можливість вибору мови</a:t>
-            </a:r>
-          </a:p>
-          <a:p>
-            <a:pPr marL="457200" indent="-457200">
-              <a:buFont typeface="Wingdings" panose="05000000000000000000" pitchFamily="2" charset="2"/>
-              <a:buChar char="§"/>
-            </a:pPr>
-            <a:r>
-              <a:rPr lang="uk-UA" sz="2800" dirty="0" smtClean="0"/>
-              <a:t>Можливість здійснення благодійного внеску</a:t>
-            </a:r>
-          </a:p>
-          <a:p>
-            <a:pPr marL="457200" indent="-457200">
-              <a:buFont typeface="Wingdings" panose="05000000000000000000" pitchFamily="2" charset="2"/>
-              <a:buChar char="§"/>
-            </a:pPr>
-            <a:r>
-              <a:rPr lang="uk-UA" sz="2800" dirty="0" smtClean="0"/>
-              <a:t>Реєстрація на курси першої медичної допомоги</a:t>
-            </a:r>
-          </a:p>
-          <a:p>
-            <a:pPr marL="457200" indent="-457200">
-              <a:buFont typeface="Wingdings" panose="05000000000000000000" pitchFamily="2" charset="2"/>
-              <a:buChar char="§"/>
-            </a:pPr>
-            <a:r>
-              <a:rPr lang="uk-UA" sz="2800" dirty="0" smtClean="0"/>
-              <a:t>Можливість переходу між вкладками</a:t>
-            </a:r>
-          </a:p>
-          <a:p>
-            <a:pPr marL="457200" indent="-457200">
-              <a:buFont typeface="Wingdings" panose="05000000000000000000" pitchFamily="2" charset="2"/>
-              <a:buChar char="§"/>
-            </a:pPr>
-            <a:r>
-              <a:rPr lang="uk-UA" sz="2800" dirty="0" smtClean="0"/>
-              <a:t>Наявність ауді0- та відео- матеріалів</a:t>
-            </a:r>
-          </a:p>
-          <a:p>
-            <a:pPr marL="457200" indent="-457200">
-              <a:buFont typeface="Wingdings" panose="05000000000000000000" pitchFamily="2" charset="2"/>
-              <a:buChar char="§"/>
-            </a:pPr>
-            <a:r>
-              <a:rPr lang="en-US" sz="2800" dirty="0" smtClean="0"/>
-              <a:t>Push – </a:t>
-            </a:r>
-            <a:r>
-              <a:rPr lang="uk-UA" sz="2800" dirty="0" smtClean="0"/>
-              <a:t>сповіщення</a:t>
-            </a:r>
-          </a:p>
-          <a:p>
-            <a:pPr marL="457200" indent="-457200">
-              <a:buFont typeface="Wingdings" panose="05000000000000000000" pitchFamily="2" charset="2"/>
-              <a:buChar char="§"/>
-            </a:pPr>
-            <a:endParaRPr lang="uk-UA" sz="2800" dirty="0"/>
-          </a:p>
-        </p:txBody>
-      </p:sp>
-      <p:graphicFrame>
-        <p:nvGraphicFramePr>
-          <p:cNvPr id="3" name="Схема 2"/>
-          <p:cNvGraphicFramePr/>
-          <p:nvPr>
-            <p:extLst>
-              <p:ext uri="{D42A27DB-BD31-4B8C-83A1-F6EECF244321}">
-                <p14:modId xmlns:p14="http://schemas.microsoft.com/office/powerpoint/2010/main" val="3985405871"/>
-              </p:ext>
-            </p:extLst>
-          </p:nvPr>
-        </p:nvGraphicFramePr>
-        <p:xfrm>
-          <a:off x="93133" y="973667"/>
-          <a:ext cx="6223001" cy="4809068"/>
-        </p:xfrm>
-        <a:graphic>
-          <a:graphicData uri="http://schemas.openxmlformats.org/drawingml/2006/diagram">
-            <dgm:relIds xmlns:dgm="http://schemas.openxmlformats.org/drawingml/2006/diagram" xmlns:r="http://schemas.openxmlformats.org/officeDocument/2006/relationships" r:dm="rId2" r:lo="rId3" r:qs="rId4" r:cs="rId5"/>
-          </a:graphicData>
-        </a:graphic>
-      </p:graphicFrame>
-    </p:spTree>
-    <p:extLst>
-      <p:ext uri="{BB962C8B-B14F-4D97-AF65-F5344CB8AC3E}">
-        <p14:creationId xmlns:p14="http://schemas.microsoft.com/office/powerpoint/2010/main" val="2099990677"/>
-      </p:ext>
-    </p:extLst>
-  </p:cSld>
-  <p:clrMapOvr>
-    <a:masterClrMapping/>
-  </p:clrMapOvr>
-  <mc:AlternateContent xmlns:mc="http://schemas.openxmlformats.org/markup-compatibility/2006">
-    <mc:Choice xmlns:p14="http://schemas.microsoft.com/office/powerpoint/2010/main" Requires="p14">
-      <p:transition spd="med" p14:dur="700">
-        <p:fade/>
-      </p:transition>
-    </mc:Choice>
-    <mc:Fallback>
-      <p:transition spd="med">
-        <p:fade/>
-      </p:transition>
-    </mc:Fallback>
-  </mc:AlternateContent>
-  <p:timing>
-    <p:tnLst>
-      <p:par>
-        <p:cTn id="1" dur="indefinite" restart="never" nodeType="tmRoot">
-          <p:childTnLst>
-            <p:seq concurrent="1" nextAc="seek">
-              <p:cTn id="2" dur="indefinite" nodeType="mainSeq">
-                <p:childTnLst>
-                  <p:par>
-                    <p:cTn id="3" fill="hold">
-                      <p:stCondLst>
-                        <p:cond delay="indefinite"/>
-                        <p:cond evt="onBegin" delay="0">
-                          <p:tn val="2"/>
-                        </p:cond>
-                      </p:stCondLst>
-                      <p:childTnLst>
-                        <p:par>
-                          <p:cTn id="4" fill="hold">
-                            <p:stCondLst>
-                              <p:cond delay="0"/>
-                            </p:stCondLst>
-                            <p:childTnLst>
-                              <p:par>
-                                <p:cTn id="5" presetID="10" presetClass="entr" presetSubtype="0" fill="hold" nodeType="afterEffect">
-                                  <p:stCondLst>
-                                    <p:cond delay="250"/>
-                                  </p:stCondLst>
-                                  <p:childTnLst>
-                                    <p:set>
-                                      <p:cBhvr>
-                                        <p:cTn id="6" dur="1" fill="hold">
-                                          <p:stCondLst>
-                                            <p:cond delay="0"/>
-                                          </p:stCondLst>
-                                        </p:cTn>
-                                        <p:tgtEl>
-                                          <p:spTgt spid="2">
-                                            <p:txEl>
-                                              <p:pRg st="0" end="0"/>
-                                            </p:txEl>
-                                          </p:spTgt>
-                                        </p:tgtEl>
-                                        <p:attrNameLst>
-                                          <p:attrName>style.visibility</p:attrName>
-                                        </p:attrNameLst>
-                                      </p:cBhvr>
-                                      <p:to>
-                                        <p:strVal val="visible"/>
-                                      </p:to>
-                                    </p:set>
-                                    <p:animEffect transition="in" filter="fade">
-                                      <p:cBhvr>
-                                        <p:cTn id="7" dur="500"/>
-                                        <p:tgtEl>
-                                          <p:spTgt spid="2">
-                                            <p:txEl>
-                                              <p:pRg st="0" end="0"/>
-                                            </p:txEl>
-                                          </p:spTgt>
-                                        </p:tgtEl>
-                                      </p:cBhvr>
-                                    </p:animEffect>
-                                  </p:childTnLst>
-                                </p:cTn>
-                              </p:par>
-                            </p:childTnLst>
-                          </p:cTn>
-                        </p:par>
-                        <p:par>
-                          <p:cTn id="8" fill="hold">
-                            <p:stCondLst>
-                              <p:cond delay="750"/>
-                            </p:stCondLst>
-                            <p:childTnLst>
-                              <p:par>
-                                <p:cTn id="9" presetID="10" presetClass="entr" presetSubtype="0" fill="hold" nodeType="afterEffect">
-                                  <p:stCondLst>
-                                    <p:cond delay="0"/>
-                                  </p:stCondLst>
-                                  <p:childTnLst>
-                                    <p:set>
-                                      <p:cBhvr>
-                                        <p:cTn id="10" dur="1" fill="hold">
-                                          <p:stCondLst>
-                                            <p:cond delay="0"/>
-                                          </p:stCondLst>
-                                        </p:cTn>
-                                        <p:tgtEl>
-                                          <p:spTgt spid="2">
-                                            <p:txEl>
-                                              <p:pRg st="1" end="1"/>
-                                            </p:txEl>
-                                          </p:spTgt>
-                                        </p:tgtEl>
-                                        <p:attrNameLst>
-                                          <p:attrName>style.visibility</p:attrName>
-                                        </p:attrNameLst>
-                                      </p:cBhvr>
-                                      <p:to>
-                                        <p:strVal val="visible"/>
-                                      </p:to>
-                                    </p:set>
-                                    <p:animEffect transition="in" filter="fade">
-                                      <p:cBhvr>
-                                        <p:cTn id="11" dur="500"/>
-                                        <p:tgtEl>
-                                          <p:spTgt spid="2">
-                                            <p:txEl>
-                                              <p:pRg st="1" end="1"/>
-                                            </p:txEl>
-                                          </p:spTgt>
-                                        </p:tgtEl>
-                                      </p:cBhvr>
-                                    </p:animEffect>
-                                  </p:childTnLst>
-                                </p:cTn>
-                              </p:par>
-                            </p:childTnLst>
-                          </p:cTn>
-                        </p:par>
-                        <p:par>
-                          <p:cTn id="12" fill="hold">
-                            <p:stCondLst>
-                              <p:cond delay="1250"/>
-                            </p:stCondLst>
-                            <p:childTnLst>
-                              <p:par>
-                                <p:cTn id="13" presetID="10" presetClass="entr" presetSubtype="0" fill="hold" nodeType="afterEffect">
-                                  <p:stCondLst>
-                                    <p:cond delay="0"/>
-                                  </p:stCondLst>
-                                  <p:childTnLst>
-                                    <p:set>
-                                      <p:cBhvr>
-                                        <p:cTn id="14" dur="1" fill="hold">
-                                          <p:stCondLst>
-                                            <p:cond delay="0"/>
-                                          </p:stCondLst>
-                                        </p:cTn>
-                                        <p:tgtEl>
-                                          <p:spTgt spid="2">
-                                            <p:txEl>
-                                              <p:pRg st="2" end="2"/>
-                                            </p:txEl>
-                                          </p:spTgt>
-                                        </p:tgtEl>
-                                        <p:attrNameLst>
-                                          <p:attrName>style.visibility</p:attrName>
-                                        </p:attrNameLst>
-                                      </p:cBhvr>
-                                      <p:to>
-                                        <p:strVal val="visible"/>
-                                      </p:to>
-                                    </p:set>
-                                    <p:animEffect transition="in" filter="fade">
-                                      <p:cBhvr>
-                                        <p:cTn id="15" dur="500"/>
-                                        <p:tgtEl>
-                                          <p:spTgt spid="2">
-                                            <p:txEl>
-                                              <p:pRg st="2" end="2"/>
-                                            </p:txEl>
-                                          </p:spTgt>
-                                        </p:tgtEl>
-                                      </p:cBhvr>
-                                    </p:animEffect>
-                                  </p:childTnLst>
-                                </p:cTn>
-                              </p:par>
-                            </p:childTnLst>
-                          </p:cTn>
-                        </p:par>
-                        <p:par>
-                          <p:cTn id="16" fill="hold">
-                            <p:stCondLst>
-                              <p:cond delay="1750"/>
-                            </p:stCondLst>
-                            <p:childTnLst>
-                              <p:par>
-                                <p:cTn id="17" presetID="10" presetClass="entr" presetSubtype="0" fill="hold" nodeType="afterEffect">
-                                  <p:stCondLst>
-                                    <p:cond delay="0"/>
-                                  </p:stCondLst>
-                                  <p:childTnLst>
-                                    <p:set>
-                                      <p:cBhvr>
-                                        <p:cTn id="18" dur="1" fill="hold">
-                                          <p:stCondLst>
-                                            <p:cond delay="0"/>
-                                          </p:stCondLst>
-                                        </p:cTn>
-                                        <p:tgtEl>
-                                          <p:spTgt spid="2">
-                                            <p:txEl>
-                                              <p:pRg st="3" end="3"/>
-                                            </p:txEl>
-                                          </p:spTgt>
-                                        </p:tgtEl>
-                                        <p:attrNameLst>
-                                          <p:attrName>style.visibility</p:attrName>
-                                        </p:attrNameLst>
-                                      </p:cBhvr>
-                                      <p:to>
-                                        <p:strVal val="visible"/>
-                                      </p:to>
-                                    </p:set>
-                                    <p:animEffect transition="in" filter="fade">
-                                      <p:cBhvr>
-                                        <p:cTn id="19" dur="500"/>
-                                        <p:tgtEl>
-                                          <p:spTgt spid="2">
-                                            <p:txEl>
-                                              <p:pRg st="3" end="3"/>
-                                            </p:txEl>
-                                          </p:spTgt>
-                                        </p:tgtEl>
-                                      </p:cBhvr>
-                                    </p:animEffect>
-                                  </p:childTnLst>
-                                </p:cTn>
-                              </p:par>
-                            </p:childTnLst>
-                          </p:cTn>
-                        </p:par>
-                        <p:par>
-                          <p:cTn id="20" fill="hold">
-                            <p:stCondLst>
-                              <p:cond delay="2250"/>
-                            </p:stCondLst>
-                            <p:childTnLst>
-                              <p:par>
-                                <p:cTn id="21" presetID="10" presetClass="entr" presetSubtype="0" fill="hold" nodeType="afterEffect">
-                                  <p:stCondLst>
-                                    <p:cond delay="0"/>
-                                  </p:stCondLst>
-                                  <p:childTnLst>
-                                    <p:set>
-                                      <p:cBhvr>
-                                        <p:cTn id="22" dur="1" fill="hold">
-                                          <p:stCondLst>
-                                            <p:cond delay="0"/>
-                                          </p:stCondLst>
-                                        </p:cTn>
-                                        <p:tgtEl>
-                                          <p:spTgt spid="2">
-                                            <p:txEl>
-                                              <p:pRg st="4" end="4"/>
-                                            </p:txEl>
-                                          </p:spTgt>
-                                        </p:tgtEl>
-                                        <p:attrNameLst>
-                                          <p:attrName>style.visibility</p:attrName>
-                                        </p:attrNameLst>
-                                      </p:cBhvr>
-                                      <p:to>
-                                        <p:strVal val="visible"/>
-                                      </p:to>
-                                    </p:set>
-                                    <p:animEffect transition="in" filter="fade">
-                                      <p:cBhvr>
-                                        <p:cTn id="23" dur="500"/>
-                                        <p:tgtEl>
-                                          <p:spTgt spid="2">
-                                            <p:txEl>
-                                              <p:pRg st="4" end="4"/>
-                                            </p:txEl>
-                                          </p:spTgt>
-                                        </p:tgtEl>
-                                      </p:cBhvr>
-                                    </p:animEffect>
-                                  </p:childTnLst>
-                                </p:cTn>
-                              </p:par>
-                            </p:childTnLst>
-                          </p:cTn>
-                        </p:par>
-                        <p:par>
-                          <p:cTn id="24" fill="hold">
-                            <p:stCondLst>
-                              <p:cond delay="2750"/>
-                            </p:stCondLst>
-                            <p:childTnLst>
-                              <p:par>
-                                <p:cTn id="25" presetID="10" presetClass="entr" presetSubtype="0" fill="hold" nodeType="afterEffect">
-                                  <p:stCondLst>
-                                    <p:cond delay="0"/>
-                                  </p:stCondLst>
-                                  <p:childTnLst>
-                                    <p:set>
-                                      <p:cBhvr>
-                                        <p:cTn id="26" dur="1" fill="hold">
-                                          <p:stCondLst>
-                                            <p:cond delay="0"/>
-                                          </p:stCondLst>
-                                        </p:cTn>
-                                        <p:tgtEl>
-                                          <p:spTgt spid="2">
-                                            <p:txEl>
-                                              <p:pRg st="5" end="5"/>
-                                            </p:txEl>
-                                          </p:spTgt>
-                                        </p:tgtEl>
-                                        <p:attrNameLst>
-                                          <p:attrName>style.visibility</p:attrName>
-                                        </p:attrNameLst>
-                                      </p:cBhvr>
-                                      <p:to>
-                                        <p:strVal val="visible"/>
-                                      </p:to>
-                                    </p:set>
-                                    <p:animEffect transition="in" filter="fade">
-                                      <p:cBhvr>
-                                        <p:cTn id="27" dur="500"/>
-                                        <p:tgtEl>
-                                          <p:spTgt spid="2">
-                                            <p:txEl>
-                                              <p:pRg st="5" end="5"/>
-                                            </p:txEl>
-                                          </p:spTgt>
-                                        </p:tgtEl>
-                                      </p:cBhvr>
-                                    </p:animEffect>
-                                  </p:childTnLst>
-                                </p:cTn>
-                              </p:par>
-                            </p:childTnLst>
-                          </p:cTn>
-                        </p:par>
-                        <p:par>
-                          <p:cTn id="28" fill="hold">
-                            <p:stCondLst>
-                              <p:cond delay="3250"/>
-                            </p:stCondLst>
-                            <p:childTnLst>
-                              <p:par>
-                                <p:cTn id="29" presetID="10" presetClass="entr" presetSubtype="0" fill="hold" nodeType="afterEffect">
-                                  <p:stCondLst>
-                                    <p:cond delay="0"/>
-                                  </p:stCondLst>
-                                  <p:childTnLst>
-                                    <p:set>
-                                      <p:cBhvr>
-                                        <p:cTn id="30" dur="1" fill="hold">
-                                          <p:stCondLst>
-                                            <p:cond delay="0"/>
-                                          </p:stCondLst>
-                                        </p:cTn>
-                                        <p:tgtEl>
-                                          <p:spTgt spid="2">
-                                            <p:txEl>
-                                              <p:pRg st="6" end="6"/>
-                                            </p:txEl>
-                                          </p:spTgt>
-                                        </p:tgtEl>
-                                        <p:attrNameLst>
-                                          <p:attrName>style.visibility</p:attrName>
-                                        </p:attrNameLst>
-                                      </p:cBhvr>
-                                      <p:to>
-                                        <p:strVal val="visible"/>
-                                      </p:to>
-                                    </p:set>
-                                    <p:animEffect transition="in" filter="fade">
-                                      <p:cBhvr>
-                                        <p:cTn id="31" dur="500"/>
-                                        <p:tgtEl>
-                                          <p:spTgt spid="2">
-                                            <p:txEl>
-                                              <p:pRg st="6" end="6"/>
-                                            </p:txEl>
-                                          </p:spTgt>
-                                        </p:tgtEl>
-                                      </p:cBhvr>
-                                    </p:animEffect>
-                                  </p:childTnLst>
-                                </p:cTn>
-                              </p:par>
-                            </p:childTnLst>
-                          </p:cTn>
-                        </p:par>
-                      </p:childTnLst>
-                    </p:cTn>
-                  </p:par>
-                </p:childTnLst>
-              </p:cTn>
-              <p:prevCondLst>
-                <p:cond evt="onPrev" delay="0">
-                  <p:tgtEl>
-                    <p:sldTgt/>
-                  </p:tgtEl>
-                </p:cond>
-              </p:prevCondLst>
-              <p:nextCondLst>
-                <p:cond evt="onNext" delay="0">
-                  <p:tgtEl>
-                    <p:sldTgt/>
-                  </p:tgtEl>
-                </p:cond>
-              </p:nextCondLst>
-            </p:seq>
-          </p:childTnLst>
-        </p:cTn>
-      </p:par>
-    </p:tnLst>
-  </p:timing>
-</p:sld>
-</file>
-
 <file path=ppt/theme/theme1.xml><?xml version="1.0" encoding="utf-8"?>
 <a:theme xmlns:a="http://schemas.openxmlformats.org/drawingml/2006/main" name="Базис">
   <a:themeElements>

--- a/Documents/WarNotes_presentation.pptx
+++ b/Documents/WarNotes_presentation.pptx
@@ -3932,6 +3932,627 @@
       <dsp:cNvGrpSpPr/>
     </dsp:nvGrpSpPr>
     <dsp:grpSpPr/>
+    <dsp:sp modelId="{B2D21F83-1804-43B9-A911-A1E45883313E}">
+      <dsp:nvSpPr>
+        <dsp:cNvPr id="0" name=""/>
+        <dsp:cNvSpPr/>
+      </dsp:nvSpPr>
+      <dsp:spPr>
+        <a:xfrm>
+          <a:off x="1679786" y="0"/>
+          <a:ext cx="1950720" cy="1083733"/>
+        </a:xfrm>
+        <a:prstGeom prst="roundRect">
+          <a:avLst>
+            <a:gd name="adj" fmla="val 10000"/>
+          </a:avLst>
+        </a:prstGeom>
+        <a:solidFill>
+          <a:schemeClr val="accent1">
+            <a:alpha val="90000"/>
+            <a:tint val="40000"/>
+            <a:hueOff val="0"/>
+            <a:satOff val="0"/>
+            <a:lumOff val="0"/>
+            <a:alphaOff val="0"/>
+          </a:schemeClr>
+        </a:solidFill>
+        <a:ln w="19050" cap="flat" cmpd="sng" algn="ctr">
+          <a:solidFill>
+            <a:schemeClr val="accent1">
+              <a:alpha val="90000"/>
+              <a:tint val="40000"/>
+              <a:hueOff val="0"/>
+              <a:satOff val="0"/>
+              <a:lumOff val="0"/>
+              <a:alphaOff val="0"/>
+            </a:schemeClr>
+          </a:solidFill>
+          <a:prstDash val="solid"/>
+        </a:ln>
+        <a:effectLst/>
+      </dsp:spPr>
+      <dsp:style>
+        <a:lnRef idx="2">
+          <a:scrgbClr r="0" g="0" b="0"/>
+        </a:lnRef>
+        <a:fillRef idx="1">
+          <a:scrgbClr r="0" g="0" b="0"/>
+        </a:fillRef>
+        <a:effectRef idx="0">
+          <a:scrgbClr r="0" g="0" b="0"/>
+        </a:effectRef>
+        <a:fontRef idx="minor"/>
+      </dsp:style>
+      <dsp:txBody>
+        <a:bodyPr spcFirstLastPara="0" vert="horz" wrap="square" lIns="179070" tIns="179070" rIns="179070" bIns="179070" numCol="1" spcCol="1270" anchor="ctr" anchorCtr="0">
+          <a:noAutofit/>
+        </a:bodyPr>
+        <a:lstStyle/>
+        <a:p>
+          <a:pPr lvl="0" algn="ctr" defTabSz="2089150">
+            <a:lnSpc>
+              <a:spcPct val="90000"/>
+            </a:lnSpc>
+            <a:spcBef>
+              <a:spcPct val="0"/>
+            </a:spcBef>
+            <a:spcAft>
+              <a:spcPct val="35000"/>
+            </a:spcAft>
+          </a:pPr>
+          <a:endParaRPr lang="uk-UA" sz="4700" kern="1200" dirty="0"/>
+        </a:p>
+      </dsp:txBody>
+      <dsp:txXfrm>
+        <a:off x="1711527" y="31741"/>
+        <a:ext cx="1887238" cy="1020251"/>
+      </dsp:txXfrm>
+    </dsp:sp>
+    <dsp:sp modelId="{8557BBCB-3EE0-4D72-9CDA-BDA31DB43590}">
+      <dsp:nvSpPr>
+        <dsp:cNvPr id="0" name=""/>
+        <dsp:cNvSpPr/>
+      </dsp:nvSpPr>
+      <dsp:spPr>
+        <a:xfrm>
+          <a:off x="4497493" y="0"/>
+          <a:ext cx="1950720" cy="1083733"/>
+        </a:xfrm>
+        <a:prstGeom prst="roundRect">
+          <a:avLst>
+            <a:gd name="adj" fmla="val 10000"/>
+          </a:avLst>
+        </a:prstGeom>
+        <a:solidFill>
+          <a:schemeClr val="accent1">
+            <a:alpha val="90000"/>
+            <a:tint val="40000"/>
+            <a:hueOff val="0"/>
+            <a:satOff val="0"/>
+            <a:lumOff val="0"/>
+            <a:alphaOff val="0"/>
+          </a:schemeClr>
+        </a:solidFill>
+        <a:ln w="19050" cap="flat" cmpd="sng" algn="ctr">
+          <a:solidFill>
+            <a:schemeClr val="accent1">
+              <a:alpha val="90000"/>
+              <a:tint val="40000"/>
+              <a:hueOff val="0"/>
+              <a:satOff val="0"/>
+              <a:lumOff val="0"/>
+              <a:alphaOff val="0"/>
+            </a:schemeClr>
+          </a:solidFill>
+          <a:prstDash val="solid"/>
+        </a:ln>
+        <a:effectLst/>
+      </dsp:spPr>
+      <dsp:style>
+        <a:lnRef idx="2">
+          <a:scrgbClr r="0" g="0" b="0"/>
+        </a:lnRef>
+        <a:fillRef idx="1">
+          <a:scrgbClr r="0" g="0" b="0"/>
+        </a:fillRef>
+        <a:effectRef idx="0">
+          <a:scrgbClr r="0" g="0" b="0"/>
+        </a:effectRef>
+        <a:fontRef idx="minor"/>
+      </dsp:style>
+      <dsp:txBody>
+        <a:bodyPr spcFirstLastPara="0" vert="horz" wrap="square" lIns="179070" tIns="179070" rIns="179070" bIns="179070" numCol="1" spcCol="1270" anchor="ctr" anchorCtr="0">
+          <a:noAutofit/>
+        </a:bodyPr>
+        <a:lstStyle/>
+        <a:p>
+          <a:pPr lvl="0" algn="ctr" defTabSz="2089150">
+            <a:lnSpc>
+              <a:spcPct val="90000"/>
+            </a:lnSpc>
+            <a:spcBef>
+              <a:spcPct val="0"/>
+            </a:spcBef>
+            <a:spcAft>
+              <a:spcPct val="35000"/>
+            </a:spcAft>
+          </a:pPr>
+          <a:endParaRPr lang="uk-UA" sz="4700" kern="1200" dirty="0"/>
+        </a:p>
+      </dsp:txBody>
+      <dsp:txXfrm>
+        <a:off x="4529234" y="31741"/>
+        <a:ext cx="1887238" cy="1020251"/>
+      </dsp:txXfrm>
+    </dsp:sp>
+    <dsp:sp modelId="{A2C1A061-00D2-4528-92BE-92D7729059DC}">
+      <dsp:nvSpPr>
+        <dsp:cNvPr id="0" name=""/>
+        <dsp:cNvSpPr/>
+      </dsp:nvSpPr>
+      <dsp:spPr>
+        <a:xfrm>
+          <a:off x="3657599" y="4605866"/>
+          <a:ext cx="812800" cy="812800"/>
+        </a:xfrm>
+        <a:prstGeom prst="triangle">
+          <a:avLst/>
+        </a:prstGeom>
+        <a:solidFill>
+          <a:schemeClr val="accent1">
+            <a:alpha val="90000"/>
+            <a:tint val="40000"/>
+            <a:hueOff val="0"/>
+            <a:satOff val="0"/>
+            <a:lumOff val="0"/>
+            <a:alphaOff val="0"/>
+          </a:schemeClr>
+        </a:solidFill>
+        <a:ln w="19050" cap="flat" cmpd="sng" algn="ctr">
+          <a:solidFill>
+            <a:schemeClr val="accent1">
+              <a:alpha val="90000"/>
+              <a:tint val="40000"/>
+              <a:hueOff val="0"/>
+              <a:satOff val="0"/>
+              <a:lumOff val="0"/>
+              <a:alphaOff val="0"/>
+            </a:schemeClr>
+          </a:solidFill>
+          <a:prstDash val="solid"/>
+        </a:ln>
+        <a:effectLst/>
+      </dsp:spPr>
+      <dsp:style>
+        <a:lnRef idx="2">
+          <a:scrgbClr r="0" g="0" b="0"/>
+        </a:lnRef>
+        <a:fillRef idx="1">
+          <a:scrgbClr r="0" g="0" b="0"/>
+        </a:fillRef>
+        <a:effectRef idx="0">
+          <a:scrgbClr r="0" g="0" b="0"/>
+        </a:effectRef>
+        <a:fontRef idx="minor"/>
+      </dsp:style>
+    </dsp:sp>
+    <dsp:sp modelId="{D72DCB68-25B6-45E4-884D-DBB6FDA3FC35}">
+      <dsp:nvSpPr>
+        <dsp:cNvPr id="0" name=""/>
+        <dsp:cNvSpPr/>
+      </dsp:nvSpPr>
+      <dsp:spPr>
+        <a:xfrm rot="240000">
+          <a:off x="1624855" y="4257573"/>
+          <a:ext cx="4878289" cy="341123"/>
+        </a:xfrm>
+        <a:prstGeom prst="rect">
+          <a:avLst/>
+        </a:prstGeom>
+        <a:solidFill>
+          <a:schemeClr val="accent1">
+            <a:alpha val="90000"/>
+            <a:tint val="40000"/>
+            <a:hueOff val="0"/>
+            <a:satOff val="0"/>
+            <a:lumOff val="0"/>
+            <a:alphaOff val="0"/>
+          </a:schemeClr>
+        </a:solidFill>
+        <a:ln w="19050" cap="flat" cmpd="sng" algn="ctr">
+          <a:solidFill>
+            <a:schemeClr val="accent1">
+              <a:alpha val="90000"/>
+              <a:tint val="40000"/>
+              <a:hueOff val="0"/>
+              <a:satOff val="0"/>
+              <a:lumOff val="0"/>
+              <a:alphaOff val="0"/>
+            </a:schemeClr>
+          </a:solidFill>
+          <a:prstDash val="solid"/>
+        </a:ln>
+        <a:effectLst/>
+      </dsp:spPr>
+      <dsp:style>
+        <a:lnRef idx="2">
+          <a:scrgbClr r="0" g="0" b="0"/>
+        </a:lnRef>
+        <a:fillRef idx="1">
+          <a:scrgbClr r="0" g="0" b="0"/>
+        </a:fillRef>
+        <a:effectRef idx="0">
+          <a:scrgbClr r="0" g="0" b="0"/>
+        </a:effectRef>
+        <a:fontRef idx="minor"/>
+      </dsp:style>
+    </dsp:sp>
+    <dsp:sp modelId="{D5260BAC-3E09-4F98-9770-6E0AFA57E598}">
+      <dsp:nvSpPr>
+        <dsp:cNvPr id="0" name=""/>
+        <dsp:cNvSpPr/>
+      </dsp:nvSpPr>
+      <dsp:spPr>
+        <a:xfrm rot="240000">
+          <a:off x="4553844" y="3404681"/>
+          <a:ext cx="1946391" cy="906819"/>
+        </a:xfrm>
+        <a:prstGeom prst="roundRect">
+          <a:avLst/>
+        </a:prstGeom>
+        <a:solidFill>
+          <a:schemeClr val="accent1">
+            <a:hueOff val="0"/>
+            <a:satOff val="0"/>
+            <a:lumOff val="0"/>
+            <a:alphaOff val="0"/>
+          </a:schemeClr>
+        </a:solidFill>
+        <a:ln w="19050" cap="flat" cmpd="sng" algn="ctr">
+          <a:solidFill>
+            <a:schemeClr val="lt1">
+              <a:hueOff val="0"/>
+              <a:satOff val="0"/>
+              <a:lumOff val="0"/>
+              <a:alphaOff val="0"/>
+            </a:schemeClr>
+          </a:solidFill>
+          <a:prstDash val="solid"/>
+        </a:ln>
+        <a:effectLst/>
+      </dsp:spPr>
+      <dsp:style>
+        <a:lnRef idx="2">
+          <a:scrgbClr r="0" g="0" b="0"/>
+        </a:lnRef>
+        <a:fillRef idx="1">
+          <a:scrgbClr r="0" g="0" b="0"/>
+        </a:fillRef>
+        <a:effectRef idx="0">
+          <a:scrgbClr r="0" g="0" b="0"/>
+        </a:effectRef>
+        <a:fontRef idx="minor">
+          <a:schemeClr val="lt1"/>
+        </a:fontRef>
+      </dsp:style>
+      <dsp:txBody>
+        <a:bodyPr spcFirstLastPara="0" vert="horz" wrap="square" lIns="140970" tIns="140970" rIns="140970" bIns="140970" numCol="1" spcCol="1270" anchor="ctr" anchorCtr="0">
+          <a:noAutofit/>
+        </a:bodyPr>
+        <a:lstStyle/>
+        <a:p>
+          <a:pPr lvl="0" algn="ctr" defTabSz="1644650">
+            <a:lnSpc>
+              <a:spcPct val="90000"/>
+            </a:lnSpc>
+            <a:spcBef>
+              <a:spcPct val="0"/>
+            </a:spcBef>
+            <a:spcAft>
+              <a:spcPct val="35000"/>
+            </a:spcAft>
+          </a:pPr>
+          <a:endParaRPr lang="uk-UA" sz="3700" kern="1200" dirty="0"/>
+        </a:p>
+      </dsp:txBody>
+      <dsp:txXfrm>
+        <a:off x="4598111" y="3448948"/>
+        <a:ext cx="1857857" cy="818285"/>
+      </dsp:txXfrm>
+    </dsp:sp>
+    <dsp:sp modelId="{77970359-A4AC-413A-BE3A-4AA759D2CE4C}">
+      <dsp:nvSpPr>
+        <dsp:cNvPr id="0" name=""/>
+        <dsp:cNvSpPr/>
+      </dsp:nvSpPr>
+      <dsp:spPr>
+        <a:xfrm rot="240000">
+          <a:off x="4624286" y="2429321"/>
+          <a:ext cx="1946391" cy="906819"/>
+        </a:xfrm>
+        <a:prstGeom prst="roundRect">
+          <a:avLst/>
+        </a:prstGeom>
+        <a:solidFill>
+          <a:schemeClr val="accent1">
+            <a:hueOff val="0"/>
+            <a:satOff val="0"/>
+            <a:lumOff val="0"/>
+            <a:alphaOff val="0"/>
+          </a:schemeClr>
+        </a:solidFill>
+        <a:ln w="19050" cap="flat" cmpd="sng" algn="ctr">
+          <a:solidFill>
+            <a:schemeClr val="lt1">
+              <a:hueOff val="0"/>
+              <a:satOff val="0"/>
+              <a:lumOff val="0"/>
+              <a:alphaOff val="0"/>
+            </a:schemeClr>
+          </a:solidFill>
+          <a:prstDash val="solid"/>
+        </a:ln>
+        <a:effectLst/>
+      </dsp:spPr>
+      <dsp:style>
+        <a:lnRef idx="2">
+          <a:scrgbClr r="0" g="0" b="0"/>
+        </a:lnRef>
+        <a:fillRef idx="1">
+          <a:scrgbClr r="0" g="0" b="0"/>
+        </a:fillRef>
+        <a:effectRef idx="0">
+          <a:scrgbClr r="0" g="0" b="0"/>
+        </a:effectRef>
+        <a:fontRef idx="minor">
+          <a:schemeClr val="lt1"/>
+        </a:fontRef>
+      </dsp:style>
+      <dsp:txBody>
+        <a:bodyPr spcFirstLastPara="0" vert="horz" wrap="square" lIns="140970" tIns="140970" rIns="140970" bIns="140970" numCol="1" spcCol="1270" anchor="ctr" anchorCtr="0">
+          <a:noAutofit/>
+        </a:bodyPr>
+        <a:lstStyle/>
+        <a:p>
+          <a:pPr lvl="0" algn="ctr" defTabSz="1644650">
+            <a:lnSpc>
+              <a:spcPct val="90000"/>
+            </a:lnSpc>
+            <a:spcBef>
+              <a:spcPct val="0"/>
+            </a:spcBef>
+            <a:spcAft>
+              <a:spcPct val="35000"/>
+            </a:spcAft>
+          </a:pPr>
+          <a:endParaRPr lang="uk-UA" sz="3700" kern="1200" dirty="0"/>
+        </a:p>
+      </dsp:txBody>
+      <dsp:txXfrm>
+        <a:off x="4668553" y="2473588"/>
+        <a:ext cx="1857857" cy="818285"/>
+      </dsp:txXfrm>
+    </dsp:sp>
+    <dsp:sp modelId="{E29727FF-2A9A-4982-9DBF-19E9A48344BF}">
+      <dsp:nvSpPr>
+        <dsp:cNvPr id="0" name=""/>
+        <dsp:cNvSpPr/>
+      </dsp:nvSpPr>
+      <dsp:spPr>
+        <a:xfrm rot="240000">
+          <a:off x="4694729" y="1475635"/>
+          <a:ext cx="1946391" cy="906819"/>
+        </a:xfrm>
+        <a:prstGeom prst="roundRect">
+          <a:avLst/>
+        </a:prstGeom>
+        <a:solidFill>
+          <a:schemeClr val="accent1">
+            <a:hueOff val="0"/>
+            <a:satOff val="0"/>
+            <a:lumOff val="0"/>
+            <a:alphaOff val="0"/>
+          </a:schemeClr>
+        </a:solidFill>
+        <a:ln w="19050" cap="flat" cmpd="sng" algn="ctr">
+          <a:solidFill>
+            <a:schemeClr val="lt1">
+              <a:hueOff val="0"/>
+              <a:satOff val="0"/>
+              <a:lumOff val="0"/>
+              <a:alphaOff val="0"/>
+            </a:schemeClr>
+          </a:solidFill>
+          <a:prstDash val="solid"/>
+        </a:ln>
+        <a:effectLst/>
+      </dsp:spPr>
+      <dsp:style>
+        <a:lnRef idx="2">
+          <a:scrgbClr r="0" g="0" b="0"/>
+        </a:lnRef>
+        <a:fillRef idx="1">
+          <a:scrgbClr r="0" g="0" b="0"/>
+        </a:fillRef>
+        <a:effectRef idx="0">
+          <a:scrgbClr r="0" g="0" b="0"/>
+        </a:effectRef>
+        <a:fontRef idx="minor">
+          <a:schemeClr val="lt1"/>
+        </a:fontRef>
+      </dsp:style>
+      <dsp:txBody>
+        <a:bodyPr spcFirstLastPara="0" vert="horz" wrap="square" lIns="140970" tIns="140970" rIns="140970" bIns="140970" numCol="1" spcCol="1270" anchor="ctr" anchorCtr="0">
+          <a:noAutofit/>
+        </a:bodyPr>
+        <a:lstStyle/>
+        <a:p>
+          <a:pPr lvl="0" algn="ctr" defTabSz="1644650">
+            <a:lnSpc>
+              <a:spcPct val="90000"/>
+            </a:lnSpc>
+            <a:spcBef>
+              <a:spcPct val="0"/>
+            </a:spcBef>
+            <a:spcAft>
+              <a:spcPct val="35000"/>
+            </a:spcAft>
+          </a:pPr>
+          <a:endParaRPr lang="uk-UA" sz="3700" kern="1200" dirty="0"/>
+        </a:p>
+      </dsp:txBody>
+      <dsp:txXfrm>
+        <a:off x="4738996" y="1519902"/>
+        <a:ext cx="1857857" cy="818285"/>
+      </dsp:txXfrm>
+    </dsp:sp>
+    <dsp:sp modelId="{6E964ADB-B957-4556-8677-D9C0BF3F3174}">
+      <dsp:nvSpPr>
+        <dsp:cNvPr id="0" name=""/>
+        <dsp:cNvSpPr/>
+      </dsp:nvSpPr>
+      <dsp:spPr>
+        <a:xfrm rot="240000">
+          <a:off x="1763230" y="3209609"/>
+          <a:ext cx="1946391" cy="906819"/>
+        </a:xfrm>
+        <a:prstGeom prst="roundRect">
+          <a:avLst/>
+        </a:prstGeom>
+        <a:solidFill>
+          <a:schemeClr val="accent1">
+            <a:hueOff val="0"/>
+            <a:satOff val="0"/>
+            <a:lumOff val="0"/>
+            <a:alphaOff val="0"/>
+          </a:schemeClr>
+        </a:solidFill>
+        <a:ln w="19050" cap="flat" cmpd="sng" algn="ctr">
+          <a:solidFill>
+            <a:schemeClr val="lt1">
+              <a:hueOff val="0"/>
+              <a:satOff val="0"/>
+              <a:lumOff val="0"/>
+              <a:alphaOff val="0"/>
+            </a:schemeClr>
+          </a:solidFill>
+          <a:prstDash val="solid"/>
+        </a:ln>
+        <a:effectLst/>
+      </dsp:spPr>
+      <dsp:style>
+        <a:lnRef idx="2">
+          <a:scrgbClr r="0" g="0" b="0"/>
+        </a:lnRef>
+        <a:fillRef idx="1">
+          <a:scrgbClr r="0" g="0" b="0"/>
+        </a:fillRef>
+        <a:effectRef idx="0">
+          <a:scrgbClr r="0" g="0" b="0"/>
+        </a:effectRef>
+        <a:fontRef idx="minor">
+          <a:schemeClr val="lt1"/>
+        </a:fontRef>
+      </dsp:style>
+      <dsp:txBody>
+        <a:bodyPr spcFirstLastPara="0" vert="horz" wrap="square" lIns="140970" tIns="140970" rIns="140970" bIns="140970" numCol="1" spcCol="1270" anchor="ctr" anchorCtr="0">
+          <a:noAutofit/>
+        </a:bodyPr>
+        <a:lstStyle/>
+        <a:p>
+          <a:pPr lvl="0" algn="ctr" defTabSz="1644650">
+            <a:lnSpc>
+              <a:spcPct val="90000"/>
+            </a:lnSpc>
+            <a:spcBef>
+              <a:spcPct val="0"/>
+            </a:spcBef>
+            <a:spcAft>
+              <a:spcPct val="35000"/>
+            </a:spcAft>
+          </a:pPr>
+          <a:endParaRPr lang="uk-UA" sz="3700" kern="1200" dirty="0"/>
+        </a:p>
+      </dsp:txBody>
+      <dsp:txXfrm>
+        <a:off x="1807497" y="3253876"/>
+        <a:ext cx="1857857" cy="818285"/>
+      </dsp:txXfrm>
+    </dsp:sp>
+    <dsp:sp modelId="{89613EDE-BD0D-4FFC-AC5D-F0550D2B45C5}">
+      <dsp:nvSpPr>
+        <dsp:cNvPr id="0" name=""/>
+        <dsp:cNvSpPr/>
+      </dsp:nvSpPr>
+      <dsp:spPr>
+        <a:xfrm rot="240000">
+          <a:off x="1833673" y="2234249"/>
+          <a:ext cx="1946391" cy="906819"/>
+        </a:xfrm>
+        <a:prstGeom prst="roundRect">
+          <a:avLst/>
+        </a:prstGeom>
+        <a:solidFill>
+          <a:schemeClr val="accent1">
+            <a:hueOff val="0"/>
+            <a:satOff val="0"/>
+            <a:lumOff val="0"/>
+            <a:alphaOff val="0"/>
+          </a:schemeClr>
+        </a:solidFill>
+        <a:ln w="19050" cap="flat" cmpd="sng" algn="ctr">
+          <a:solidFill>
+            <a:schemeClr val="lt1">
+              <a:hueOff val="0"/>
+              <a:satOff val="0"/>
+              <a:lumOff val="0"/>
+              <a:alphaOff val="0"/>
+            </a:schemeClr>
+          </a:solidFill>
+          <a:prstDash val="solid"/>
+        </a:ln>
+        <a:effectLst/>
+      </dsp:spPr>
+      <dsp:style>
+        <a:lnRef idx="2">
+          <a:scrgbClr r="0" g="0" b="0"/>
+        </a:lnRef>
+        <a:fillRef idx="1">
+          <a:scrgbClr r="0" g="0" b="0"/>
+        </a:fillRef>
+        <a:effectRef idx="0">
+          <a:scrgbClr r="0" g="0" b="0"/>
+        </a:effectRef>
+        <a:fontRef idx="minor">
+          <a:schemeClr val="lt1"/>
+        </a:fontRef>
+      </dsp:style>
+      <dsp:txBody>
+        <a:bodyPr spcFirstLastPara="0" vert="horz" wrap="square" lIns="140970" tIns="140970" rIns="140970" bIns="140970" numCol="1" spcCol="1270" anchor="ctr" anchorCtr="0">
+          <a:noAutofit/>
+        </a:bodyPr>
+        <a:lstStyle/>
+        <a:p>
+          <a:pPr lvl="0" algn="ctr" defTabSz="1644650">
+            <a:lnSpc>
+              <a:spcPct val="90000"/>
+            </a:lnSpc>
+            <a:spcBef>
+              <a:spcPct val="0"/>
+            </a:spcBef>
+            <a:spcAft>
+              <a:spcPct val="35000"/>
+            </a:spcAft>
+          </a:pPr>
+          <a:endParaRPr lang="uk-UA" sz="3700" kern="1200" dirty="0"/>
+        </a:p>
+      </dsp:txBody>
+      <dsp:txXfrm>
+        <a:off x="1877940" y="2278516"/>
+        <a:ext cx="1857857" cy="818285"/>
+      </dsp:txXfrm>
+    </dsp:sp>
   </dsp:spTree>
 </dsp:drawing>
 </file>
@@ -3944,6 +4565,364 @@
       <dsp:cNvGrpSpPr/>
     </dsp:nvGrpSpPr>
     <dsp:grpSpPr/>
+    <dsp:sp modelId="{D43EC6B5-2F60-4D1B-B8B8-31EE20D34C3D}">
+      <dsp:nvSpPr>
+        <dsp:cNvPr id="0" name=""/>
+        <dsp:cNvSpPr/>
+      </dsp:nvSpPr>
+      <dsp:spPr>
+        <a:xfrm>
+          <a:off x="0" y="440399"/>
+          <a:ext cx="6223001" cy="3889375"/>
+        </a:xfrm>
+        <a:prstGeom prst="swooshArrow">
+          <a:avLst>
+            <a:gd name="adj1" fmla="val 25000"/>
+            <a:gd name="adj2" fmla="val 25000"/>
+          </a:avLst>
+        </a:prstGeom>
+        <a:solidFill>
+          <a:schemeClr val="accent1">
+            <a:tint val="40000"/>
+            <a:hueOff val="0"/>
+            <a:satOff val="0"/>
+            <a:lumOff val="0"/>
+            <a:alphaOff val="0"/>
+          </a:schemeClr>
+        </a:solidFill>
+        <a:ln>
+          <a:noFill/>
+        </a:ln>
+        <a:effectLst/>
+      </dsp:spPr>
+      <dsp:style>
+        <a:lnRef idx="0">
+          <a:scrgbClr r="0" g="0" b="0"/>
+        </a:lnRef>
+        <a:fillRef idx="1">
+          <a:scrgbClr r="0" g="0" b="0"/>
+        </a:fillRef>
+        <a:effectRef idx="0">
+          <a:scrgbClr r="0" g="0" b="0"/>
+        </a:effectRef>
+        <a:fontRef idx="minor"/>
+      </dsp:style>
+    </dsp:sp>
+    <dsp:sp modelId="{CD3C5C0D-26A4-45F0-A789-1AD585267A93}">
+      <dsp:nvSpPr>
+        <dsp:cNvPr id="0" name=""/>
+        <dsp:cNvSpPr/>
+      </dsp:nvSpPr>
+      <dsp:spPr>
+        <a:xfrm>
+          <a:off x="790321" y="3144293"/>
+          <a:ext cx="161798" cy="161798"/>
+        </a:xfrm>
+        <a:prstGeom prst="ellipse">
+          <a:avLst/>
+        </a:prstGeom>
+        <a:solidFill>
+          <a:schemeClr val="accent1">
+            <a:hueOff val="0"/>
+            <a:satOff val="0"/>
+            <a:lumOff val="0"/>
+            <a:alphaOff val="0"/>
+          </a:schemeClr>
+        </a:solidFill>
+        <a:ln w="19050" cap="flat" cmpd="sng" algn="ctr">
+          <a:solidFill>
+            <a:schemeClr val="lt1">
+              <a:hueOff val="0"/>
+              <a:satOff val="0"/>
+              <a:lumOff val="0"/>
+              <a:alphaOff val="0"/>
+            </a:schemeClr>
+          </a:solidFill>
+          <a:prstDash val="solid"/>
+        </a:ln>
+        <a:effectLst/>
+      </dsp:spPr>
+      <dsp:style>
+        <a:lnRef idx="2">
+          <a:scrgbClr r="0" g="0" b="0"/>
+        </a:lnRef>
+        <a:fillRef idx="1">
+          <a:scrgbClr r="0" g="0" b="0"/>
+        </a:fillRef>
+        <a:effectRef idx="0">
+          <a:scrgbClr r="0" g="0" b="0"/>
+        </a:effectRef>
+        <a:fontRef idx="minor">
+          <a:schemeClr val="lt1"/>
+        </a:fontRef>
+      </dsp:style>
+    </dsp:sp>
+    <dsp:sp modelId="{CAB05EBE-2C47-4524-9785-19D0C81DB386}">
+      <dsp:nvSpPr>
+        <dsp:cNvPr id="0" name=""/>
+        <dsp:cNvSpPr/>
+      </dsp:nvSpPr>
+      <dsp:spPr>
+        <a:xfrm>
+          <a:off x="871220" y="3225192"/>
+          <a:ext cx="1449959" cy="1124029"/>
+        </a:xfrm>
+        <a:prstGeom prst="rect">
+          <a:avLst/>
+        </a:prstGeom>
+        <a:noFill/>
+        <a:ln>
+          <a:noFill/>
+        </a:ln>
+        <a:effectLst/>
+      </dsp:spPr>
+      <dsp:style>
+        <a:lnRef idx="0">
+          <a:scrgbClr r="0" g="0" b="0"/>
+        </a:lnRef>
+        <a:fillRef idx="0">
+          <a:scrgbClr r="0" g="0" b="0"/>
+        </a:fillRef>
+        <a:effectRef idx="0">
+          <a:scrgbClr r="0" g="0" b="0"/>
+        </a:effectRef>
+        <a:fontRef idx="minor"/>
+      </dsp:style>
+      <dsp:txBody>
+        <a:bodyPr spcFirstLastPara="0" vert="horz" wrap="square" lIns="85733" tIns="0" rIns="0" bIns="0" numCol="1" spcCol="1270" anchor="t" anchorCtr="0">
+          <a:noAutofit/>
+        </a:bodyPr>
+        <a:lstStyle/>
+        <a:p>
+          <a:pPr lvl="0" algn="l" defTabSz="2889250">
+            <a:lnSpc>
+              <a:spcPct val="90000"/>
+            </a:lnSpc>
+            <a:spcBef>
+              <a:spcPct val="0"/>
+            </a:spcBef>
+            <a:spcAft>
+              <a:spcPct val="35000"/>
+            </a:spcAft>
+          </a:pPr>
+          <a:endParaRPr lang="uk-UA" sz="6500" kern="1200" dirty="0"/>
+        </a:p>
+      </dsp:txBody>
+      <dsp:txXfrm>
+        <a:off x="871220" y="3225192"/>
+        <a:ext cx="1449959" cy="1124029"/>
+      </dsp:txXfrm>
+    </dsp:sp>
+    <dsp:sp modelId="{3E50F3E2-E24D-41D5-822C-E534F98A1E7B}">
+      <dsp:nvSpPr>
+        <dsp:cNvPr id="0" name=""/>
+        <dsp:cNvSpPr/>
+      </dsp:nvSpPr>
+      <dsp:spPr>
+        <a:xfrm>
+          <a:off x="2218499" y="2087160"/>
+          <a:ext cx="292481" cy="292481"/>
+        </a:xfrm>
+        <a:prstGeom prst="ellipse">
+          <a:avLst/>
+        </a:prstGeom>
+        <a:solidFill>
+          <a:schemeClr val="accent1">
+            <a:hueOff val="0"/>
+            <a:satOff val="0"/>
+            <a:lumOff val="0"/>
+            <a:alphaOff val="0"/>
+          </a:schemeClr>
+        </a:solidFill>
+        <a:ln w="19050" cap="flat" cmpd="sng" algn="ctr">
+          <a:solidFill>
+            <a:schemeClr val="lt1">
+              <a:hueOff val="0"/>
+              <a:satOff val="0"/>
+              <a:lumOff val="0"/>
+              <a:alphaOff val="0"/>
+            </a:schemeClr>
+          </a:solidFill>
+          <a:prstDash val="solid"/>
+        </a:ln>
+        <a:effectLst/>
+      </dsp:spPr>
+      <dsp:style>
+        <a:lnRef idx="2">
+          <a:scrgbClr r="0" g="0" b="0"/>
+        </a:lnRef>
+        <a:fillRef idx="1">
+          <a:scrgbClr r="0" g="0" b="0"/>
+        </a:fillRef>
+        <a:effectRef idx="0">
+          <a:scrgbClr r="0" g="0" b="0"/>
+        </a:effectRef>
+        <a:fontRef idx="minor">
+          <a:schemeClr val="lt1"/>
+        </a:fontRef>
+      </dsp:style>
+    </dsp:sp>
+    <dsp:sp modelId="{846CCD19-40BA-46A3-A799-E9F0A8D93D4D}">
+      <dsp:nvSpPr>
+        <dsp:cNvPr id="0" name=""/>
+        <dsp:cNvSpPr/>
+      </dsp:nvSpPr>
+      <dsp:spPr>
+        <a:xfrm>
+          <a:off x="2364740" y="2233401"/>
+          <a:ext cx="1493520" cy="2115820"/>
+        </a:xfrm>
+        <a:prstGeom prst="rect">
+          <a:avLst/>
+        </a:prstGeom>
+        <a:noFill/>
+        <a:ln>
+          <a:noFill/>
+        </a:ln>
+        <a:effectLst/>
+      </dsp:spPr>
+      <dsp:style>
+        <a:lnRef idx="0">
+          <a:scrgbClr r="0" g="0" b="0"/>
+        </a:lnRef>
+        <a:fillRef idx="0">
+          <a:scrgbClr r="0" g="0" b="0"/>
+        </a:fillRef>
+        <a:effectRef idx="0">
+          <a:scrgbClr r="0" g="0" b="0"/>
+        </a:effectRef>
+        <a:fontRef idx="minor"/>
+      </dsp:style>
+      <dsp:txBody>
+        <a:bodyPr spcFirstLastPara="0" vert="horz" wrap="square" lIns="154980" tIns="0" rIns="0" bIns="0" numCol="1" spcCol="1270" anchor="t" anchorCtr="0">
+          <a:noAutofit/>
+        </a:bodyPr>
+        <a:lstStyle/>
+        <a:p>
+          <a:pPr lvl="0" algn="l" defTabSz="2889250">
+            <a:lnSpc>
+              <a:spcPct val="90000"/>
+            </a:lnSpc>
+            <a:spcBef>
+              <a:spcPct val="0"/>
+            </a:spcBef>
+            <a:spcAft>
+              <a:spcPct val="35000"/>
+            </a:spcAft>
+          </a:pPr>
+          <a:endParaRPr lang="uk-UA" sz="6500" kern="1200" dirty="0"/>
+        </a:p>
+      </dsp:txBody>
+      <dsp:txXfrm>
+        <a:off x="2364740" y="2233401"/>
+        <a:ext cx="1493520" cy="2115820"/>
+      </dsp:txXfrm>
+    </dsp:sp>
+    <dsp:sp modelId="{E3356F4A-E2D8-45C5-ACBB-8D03690C947E}">
+      <dsp:nvSpPr>
+        <dsp:cNvPr id="0" name=""/>
+        <dsp:cNvSpPr/>
+      </dsp:nvSpPr>
+      <dsp:spPr>
+        <a:xfrm>
+          <a:off x="3936048" y="1443858"/>
+          <a:ext cx="404495" cy="404495"/>
+        </a:xfrm>
+        <a:prstGeom prst="ellipse">
+          <a:avLst/>
+        </a:prstGeom>
+        <a:solidFill>
+          <a:schemeClr val="accent1">
+            <a:hueOff val="0"/>
+            <a:satOff val="0"/>
+            <a:lumOff val="0"/>
+            <a:alphaOff val="0"/>
+          </a:schemeClr>
+        </a:solidFill>
+        <a:ln w="19050" cap="flat" cmpd="sng" algn="ctr">
+          <a:solidFill>
+            <a:schemeClr val="lt1">
+              <a:hueOff val="0"/>
+              <a:satOff val="0"/>
+              <a:lumOff val="0"/>
+              <a:alphaOff val="0"/>
+            </a:schemeClr>
+          </a:solidFill>
+          <a:prstDash val="solid"/>
+        </a:ln>
+        <a:effectLst/>
+      </dsp:spPr>
+      <dsp:style>
+        <a:lnRef idx="2">
+          <a:scrgbClr r="0" g="0" b="0"/>
+        </a:lnRef>
+        <a:fillRef idx="1">
+          <a:scrgbClr r="0" g="0" b="0"/>
+        </a:fillRef>
+        <a:effectRef idx="0">
+          <a:scrgbClr r="0" g="0" b="0"/>
+        </a:effectRef>
+        <a:fontRef idx="minor">
+          <a:schemeClr val="lt1"/>
+        </a:fontRef>
+      </dsp:style>
+    </dsp:sp>
+    <dsp:sp modelId="{4FA33129-B554-4394-AB55-9CFAAF751E72}">
+      <dsp:nvSpPr>
+        <dsp:cNvPr id="0" name=""/>
+        <dsp:cNvSpPr/>
+      </dsp:nvSpPr>
+      <dsp:spPr>
+        <a:xfrm>
+          <a:off x="4138295" y="1646105"/>
+          <a:ext cx="1493520" cy="2703116"/>
+        </a:xfrm>
+        <a:prstGeom prst="rect">
+          <a:avLst/>
+        </a:prstGeom>
+        <a:noFill/>
+        <a:ln>
+          <a:noFill/>
+        </a:ln>
+        <a:effectLst/>
+      </dsp:spPr>
+      <dsp:style>
+        <a:lnRef idx="0">
+          <a:scrgbClr r="0" g="0" b="0"/>
+        </a:lnRef>
+        <a:fillRef idx="0">
+          <a:scrgbClr r="0" g="0" b="0"/>
+        </a:fillRef>
+        <a:effectRef idx="0">
+          <a:scrgbClr r="0" g="0" b="0"/>
+        </a:effectRef>
+        <a:fontRef idx="minor"/>
+      </dsp:style>
+      <dsp:txBody>
+        <a:bodyPr spcFirstLastPara="0" vert="horz" wrap="square" lIns="214334" tIns="0" rIns="0" bIns="0" numCol="1" spcCol="1270" anchor="t" anchorCtr="0">
+          <a:noAutofit/>
+        </a:bodyPr>
+        <a:lstStyle/>
+        <a:p>
+          <a:pPr lvl="0" algn="l" defTabSz="2889250">
+            <a:lnSpc>
+              <a:spcPct val="90000"/>
+            </a:lnSpc>
+            <a:spcBef>
+              <a:spcPct val="0"/>
+            </a:spcBef>
+            <a:spcAft>
+              <a:spcPct val="35000"/>
+            </a:spcAft>
+          </a:pPr>
+          <a:endParaRPr lang="uk-UA" sz="6500" kern="1200" dirty="0"/>
+        </a:p>
+      </dsp:txBody>
+      <dsp:txXfrm>
+        <a:off x="4138295" y="1646105"/>
+        <a:ext cx="1493520" cy="2703116"/>
+      </dsp:txXfrm>
+    </dsp:sp>
   </dsp:spTree>
 </dsp:drawing>
 </file>
@@ -12341,7 +13320,7 @@
           <a:p>
             <a:fld id="{7A10686D-9832-44E7-B54A-B860DF2D3531}" type="datetimeFigureOut">
               <a:rPr lang="uk-UA" smtClean="0"/>
-              <a:t>24.09.2022</a:t>
+              <a:t>17.10.2022</a:t>
             </a:fld>
             <a:endParaRPr lang="uk-UA"/>
           </a:p>
@@ -12574,7 +13553,7 @@
           <a:p>
             <a:fld id="{7A10686D-9832-44E7-B54A-B860DF2D3531}" type="datetimeFigureOut">
               <a:rPr lang="uk-UA" smtClean="0"/>
-              <a:t>24.09.2022</a:t>
+              <a:t>17.10.2022</a:t>
             </a:fld>
             <a:endParaRPr lang="uk-UA"/>
           </a:p>
@@ -12766,7 +13745,7 @@
           <a:p>
             <a:fld id="{7A10686D-9832-44E7-B54A-B860DF2D3531}" type="datetimeFigureOut">
               <a:rPr lang="uk-UA" smtClean="0"/>
-              <a:t>24.09.2022</a:t>
+              <a:t>17.10.2022</a:t>
             </a:fld>
             <a:endParaRPr lang="uk-UA"/>
           </a:p>
@@ -12948,7 +13927,7 @@
           <a:p>
             <a:fld id="{7A10686D-9832-44E7-B54A-B860DF2D3531}" type="datetimeFigureOut">
               <a:rPr lang="uk-UA" smtClean="0"/>
-              <a:t>24.09.2022</a:t>
+              <a:t>17.10.2022</a:t>
             </a:fld>
             <a:endParaRPr lang="uk-UA"/>
           </a:p>
@@ -13211,7 +14190,7 @@
           <a:p>
             <a:fld id="{7A10686D-9832-44E7-B54A-B860DF2D3531}" type="datetimeFigureOut">
               <a:rPr lang="uk-UA" smtClean="0"/>
-              <a:t>24.09.2022</a:t>
+              <a:t>17.10.2022</a:t>
             </a:fld>
             <a:endParaRPr lang="uk-UA"/>
           </a:p>
@@ -13546,7 +14525,7 @@
           <a:p>
             <a:fld id="{7A10686D-9832-44E7-B54A-B860DF2D3531}" type="datetimeFigureOut">
               <a:rPr lang="uk-UA" smtClean="0"/>
-              <a:t>24.09.2022</a:t>
+              <a:t>17.10.2022</a:t>
             </a:fld>
             <a:endParaRPr lang="uk-UA"/>
           </a:p>
@@ -13982,7 +14961,7 @@
           <a:p>
             <a:fld id="{7A10686D-9832-44E7-B54A-B860DF2D3531}" type="datetimeFigureOut">
               <a:rPr lang="uk-UA" smtClean="0"/>
-              <a:t>24.09.2022</a:t>
+              <a:t>17.10.2022</a:t>
             </a:fld>
             <a:endParaRPr lang="uk-UA"/>
           </a:p>
@@ -14112,7 +15091,7 @@
           <a:p>
             <a:fld id="{7A10686D-9832-44E7-B54A-B860DF2D3531}" type="datetimeFigureOut">
               <a:rPr lang="uk-UA" smtClean="0"/>
-              <a:t>24.09.2022</a:t>
+              <a:t>17.10.2022</a:t>
             </a:fld>
             <a:endParaRPr lang="uk-UA"/>
           </a:p>
@@ -14219,7 +15198,7 @@
           <a:p>
             <a:fld id="{7A10686D-9832-44E7-B54A-B860DF2D3531}" type="datetimeFigureOut">
               <a:rPr lang="uk-UA" smtClean="0"/>
-              <a:t>24.09.2022</a:t>
+              <a:t>17.10.2022</a:t>
             </a:fld>
             <a:endParaRPr lang="uk-UA"/>
           </a:p>
@@ -14521,7 +15500,7 @@
           <a:p>
             <a:fld id="{7A10686D-9832-44E7-B54A-B860DF2D3531}" type="datetimeFigureOut">
               <a:rPr lang="uk-UA" smtClean="0"/>
-              <a:t>24.09.2022</a:t>
+              <a:t>17.10.2022</a:t>
             </a:fld>
             <a:endParaRPr lang="uk-UA"/>
           </a:p>
@@ -14805,7 +15784,7 @@
           <a:p>
             <a:fld id="{7A10686D-9832-44E7-B54A-B860DF2D3531}" type="datetimeFigureOut">
               <a:rPr lang="uk-UA" smtClean="0"/>
-              <a:t>24.09.2022</a:t>
+              <a:t>17.10.2022</a:t>
             </a:fld>
             <a:endParaRPr lang="uk-UA"/>
           </a:p>
@@ -15071,7 +16050,7 @@
           <a:p>
             <a:fld id="{7A10686D-9832-44E7-B54A-B860DF2D3531}" type="datetimeFigureOut">
               <a:rPr lang="uk-UA" smtClean="0"/>
-              <a:t>24.09.2022</a:t>
+              <a:t>17.10.2022</a:t>
             </a:fld>
             <a:endParaRPr lang="uk-UA"/>
           </a:p>
@@ -16439,7 +17418,7 @@
         <p:spPr>
           <a:xfrm>
             <a:off x="6752166" y="1846693"/>
-            <a:ext cx="4326466" cy="3477875"/>
+            <a:ext cx="4326466" cy="2554545"/>
           </a:xfrm>
           <a:prstGeom prst="rect">
             <a:avLst/>
@@ -16482,17 +17461,11 @@
             </a:pPr>
             <a:r>
               <a:rPr lang="uk-UA" sz="2000" dirty="0" smtClean="0"/>
-              <a:t>Користуватися застосунком українською та англійською мовами</a:t>
+              <a:t>Отримати </a:t>
             </a:r>
-          </a:p>
-          <a:p>
-            <a:pPr marL="285750" indent="-285750">
-              <a:buFont typeface="Arial" panose="020B0604020202020204" pitchFamily="34" charset="0"/>
-              <a:buChar char="•"/>
-            </a:pPr>
             <a:r>
               <a:rPr lang="uk-UA" sz="2000" dirty="0" smtClean="0"/>
-              <a:t>Отримати необхідну інформацію за допомогою аудіо-записів</a:t>
+              <a:t>необхідну інформацію за допомогою аудіо-записів</a:t>
             </a:r>
           </a:p>
           <a:p>
@@ -16589,14 +17562,14 @@
           <p:nvPr>
             <p:extLst>
               <p:ext uri="{D42A27DB-BD31-4B8C-83A1-F6EECF244321}">
-                <p14:modId xmlns:p14="http://schemas.microsoft.com/office/powerpoint/2010/main" val="3660401944"/>
+                <p14:modId xmlns:p14="http://schemas.microsoft.com/office/powerpoint/2010/main" val="3931045480"/>
               </p:ext>
             </p:extLst>
           </p:nvPr>
         </p:nvGraphicFramePr>
         <p:xfrm>
           <a:off x="1761066" y="2285998"/>
-          <a:ext cx="9127068" cy="2651760"/>
+          <a:ext cx="9127068" cy="2926080"/>
         </p:xfrm>
         <a:graphic>
           <a:graphicData uri="http://schemas.openxmlformats.org/drawingml/2006/table">
@@ -16632,19 +17605,25 @@
                       <a:pPr algn="ctr"/>
                       <a:r>
                         <a:rPr lang="uk-UA" dirty="0" smtClean="0"/>
-                        <a:t>Додає статті, видаляє їх та редагує.</a:t>
+                        <a:t>Приховує статті.</a:t>
+                      </a:r>
+                    </a:p>
+                    <a:p>
+                      <a:pPr algn="ctr"/>
+                      <a:r>
+                        <a:rPr lang="uk-UA" baseline="0" dirty="0" smtClean="0"/>
+                        <a:t> </a:t>
                       </a:r>
                       <a:r>
                         <a:rPr lang="uk-UA" baseline="0" dirty="0" smtClean="0"/>
-                        <a:t> Переглядає </a:t>
+                        <a:t>Переглядає списки усіх користувачів.</a:t>
                       </a:r>
+                    </a:p>
+                    <a:p>
+                      <a:pPr algn="ctr"/>
                       <a:r>
                         <a:rPr lang="uk-UA" baseline="0" dirty="0" smtClean="0"/>
-                        <a:t>списки </a:t>
-                      </a:r>
-                      <a:r>
-                        <a:rPr lang="uk-UA" baseline="0" dirty="0" smtClean="0"/>
-                        <a:t>усіх користувачів</a:t>
+                        <a:t>Додає категорії</a:t>
                       </a:r>
                       <a:r>
                         <a:rPr lang="uk-UA" baseline="0" dirty="0" smtClean="0"/>
@@ -16655,15 +17634,13 @@
                       <a:pPr algn="ctr"/>
                       <a:r>
                         <a:rPr lang="uk-UA" baseline="0" dirty="0" smtClean="0"/>
-                        <a:t>Додає, редагує та видаляє категорії.</a:t>
+                        <a:t>Переглядає профілі </a:t>
                       </a:r>
-                    </a:p>
-                    <a:p>
-                      <a:pPr algn="ctr"/>
                       <a:r>
                         <a:rPr lang="uk-UA" baseline="0" dirty="0" smtClean="0"/>
-                        <a:t>Переглядає профілі користувачів.</a:t>
+                        <a:t>користувачів та блокує користувачів.</a:t>
                       </a:r>
+                      <a:endParaRPr lang="uk-UA" baseline="0" dirty="0" smtClean="0"/>
                     </a:p>
                   </a:txBody>
                   <a:tcPr/>
@@ -16697,12 +17674,13 @@
                       </a:r>
                       <a:r>
                         <a:rPr lang="uk-UA" baseline="0" dirty="0" smtClean="0"/>
-                        <a:t> переглядати свій профіль та читає статті, змінює мову </a:t>
+                        <a:t> переглядати свій профіль та читає </a:t>
                       </a:r>
                       <a:r>
                         <a:rPr lang="uk-UA" baseline="0" dirty="0" smtClean="0"/>
-                        <a:t>інтерфейсу.</a:t>
+                        <a:t>статті.</a:t>
                       </a:r>
+                      <a:endParaRPr lang="uk-UA" baseline="0" dirty="0" smtClean="0"/>
                     </a:p>
                     <a:p>
                       <a:pPr algn="ctr"/>
